--- a/Presentation.pptx
+++ b/Presentation.pptx
@@ -7,7 +7,9 @@
   <p:sldIdLst>
     <p:sldId id="256" r:id="rId2"/>
     <p:sldId id="257" r:id="rId3"/>
-    <p:sldId id="258" r:id="rId4"/>
+    <p:sldId id="259" r:id="rId4"/>
+    <p:sldId id="258" r:id="rId5"/>
+    <p:sldId id="260" r:id="rId6"/>
   </p:sldIdLst>
   <p:sldSz cx="12192000" cy="6858000"/>
   <p:notesSz cx="6858000" cy="9144000"/>
@@ -106,7 +108,73 @@
       </a:defRPr>
     </a:lvl9pPr>
   </p:defaultTextStyle>
+  <p:extLst>
+    <p:ext uri="{EFAFB233-063F-42B5-8137-9DF3F51BA10A}">
+      <p15:sldGuideLst xmlns:p15="http://schemas.microsoft.com/office/powerpoint/2012/main"/>
+    </p:ext>
+  </p:extLst>
 </p:presentation>
+</file>
+
+<file path=ppt/revisionInfo.xml><?xml version="1.0" encoding="utf-8"?>
+<p1510:revInfo xmlns:a="http://schemas.openxmlformats.org/drawingml/2006/main" xmlns:r="http://schemas.openxmlformats.org/officeDocument/2006/relationships" xmlns:p1510="http://schemas.microsoft.com/office/powerpoint/2015/10/main">
+  <p1510:revLst>
+    <p1510:client id="{9644BDA9-B3F6-43CE-8DA9-3631164CC92E}" v="13" dt="2024-12-17T13:15:00.152"/>
+  </p1510:revLst>
+</p1510:revInfo>
+</file>
+
+<file path=ppt/changesInfos/changesInfo1.xml><?xml version="1.0" encoding="utf-8"?>
+<pc:chgInfo xmlns:a="http://schemas.openxmlformats.org/drawingml/2006/main" xmlns:r="http://schemas.openxmlformats.org/officeDocument/2006/relationships" xmlns:ac="http://schemas.microsoft.com/office/drawing/2013/main/command" xmlns:pc="http://schemas.microsoft.com/office/powerpoint/2013/main/command">
+  <pc:docChgLst>
+    <pc:chgData name="Jon Morgan (2218940)" userId="3d056735-30a3-4fce-ba59-f5d79205b9f6" providerId="ADAL" clId="{9644BDA9-B3F6-43CE-8DA9-3631164CC92E}"/>
+    <pc:docChg chg="modSld">
+      <pc:chgData name="Jon Morgan (2218940)" userId="3d056735-30a3-4fce-ba59-f5d79205b9f6" providerId="ADAL" clId="{9644BDA9-B3F6-43CE-8DA9-3631164CC92E}" dt="2024-12-17T13:15:00.152" v="11"/>
+      <pc:docMkLst>
+        <pc:docMk/>
+      </pc:docMkLst>
+      <pc:sldChg chg="addSp modSp">
+        <pc:chgData name="Jon Morgan (2218940)" userId="3d056735-30a3-4fce-ba59-f5d79205b9f6" providerId="ADAL" clId="{9644BDA9-B3F6-43CE-8DA9-3631164CC92E}" dt="2024-12-17T13:15:00.152" v="11"/>
+        <pc:sldMkLst>
+          <pc:docMk/>
+          <pc:sldMk cId="122054572" sldId="259"/>
+        </pc:sldMkLst>
+        <pc:picChg chg="add">
+          <ac:chgData name="Jon Morgan (2218940)" userId="3d056735-30a3-4fce-ba59-f5d79205b9f6" providerId="ADAL" clId="{9644BDA9-B3F6-43CE-8DA9-3631164CC92E}" dt="2024-12-17T13:10:49.051" v="0"/>
+          <ac:picMkLst>
+            <pc:docMk/>
+            <pc:sldMk cId="122054572" sldId="259"/>
+            <ac:picMk id="4" creationId="{828954D5-5796-DCB2-414D-467B2350D400}"/>
+          </ac:picMkLst>
+        </pc:picChg>
+        <pc:picChg chg="add">
+          <ac:chgData name="Jon Morgan (2218940)" userId="3d056735-30a3-4fce-ba59-f5d79205b9f6" providerId="ADAL" clId="{9644BDA9-B3F6-43CE-8DA9-3631164CC92E}" dt="2024-12-17T13:11:10.147" v="1"/>
+          <ac:picMkLst>
+            <pc:docMk/>
+            <pc:sldMk cId="122054572" sldId="259"/>
+            <ac:picMk id="5" creationId="{B466021F-77AC-0B7A-D727-724A636A7A2F}"/>
+          </ac:picMkLst>
+        </pc:picChg>
+        <pc:picChg chg="add mod">
+          <ac:chgData name="Jon Morgan (2218940)" userId="3d056735-30a3-4fce-ba59-f5d79205b9f6" providerId="ADAL" clId="{9644BDA9-B3F6-43CE-8DA9-3631164CC92E}" dt="2024-12-17T13:12:27.439" v="3"/>
+          <ac:picMkLst>
+            <pc:docMk/>
+            <pc:sldMk cId="122054572" sldId="259"/>
+            <ac:picMk id="6" creationId="{03BBE44D-16E7-6EB8-311B-B30D365B787B}"/>
+          </ac:picMkLst>
+        </pc:picChg>
+        <pc:picChg chg="add mod">
+          <ac:chgData name="Jon Morgan (2218940)" userId="3d056735-30a3-4fce-ba59-f5d79205b9f6" providerId="ADAL" clId="{9644BDA9-B3F6-43CE-8DA9-3631164CC92E}" dt="2024-12-17T13:15:00.152" v="11"/>
+          <ac:picMkLst>
+            <pc:docMk/>
+            <pc:sldMk cId="122054572" sldId="259"/>
+            <ac:picMk id="7" creationId="{4F0B8584-126F-B580-3BF5-9CA6A2A30B7E}"/>
+          </ac:picMkLst>
+        </pc:picChg>
+      </pc:sldChg>
+    </pc:docChg>
+  </pc:docChgLst>
+</pc:chgInfo>
 </file>
 
 <file path=ppt/diagrams/colors1.xml><?xml version="1.0" encoding="utf-8"?>
@@ -3056,7 +3124,7 @@
           <a:p>
             <a:fld id="{2FF0BD99-0268-44F0-9233-6285102E9816}" type="datetimeFigureOut">
               <a:rPr lang="en-GB" smtClean="0"/>
-              <a:t>10/12/2024</a:t>
+              <a:t>17/12/2024</a:t>
             </a:fld>
             <a:endParaRPr lang="en-GB"/>
           </a:p>
@@ -3254,7 +3322,7 @@
           <a:p>
             <a:fld id="{2FF0BD99-0268-44F0-9233-6285102E9816}" type="datetimeFigureOut">
               <a:rPr lang="en-GB" smtClean="0"/>
-              <a:t>10/12/2024</a:t>
+              <a:t>17/12/2024</a:t>
             </a:fld>
             <a:endParaRPr lang="en-GB"/>
           </a:p>
@@ -3462,7 +3530,7 @@
           <a:p>
             <a:fld id="{2FF0BD99-0268-44F0-9233-6285102E9816}" type="datetimeFigureOut">
               <a:rPr lang="en-GB" smtClean="0"/>
-              <a:t>10/12/2024</a:t>
+              <a:t>17/12/2024</a:t>
             </a:fld>
             <a:endParaRPr lang="en-GB"/>
           </a:p>
@@ -3660,7 +3728,7 @@
           <a:p>
             <a:fld id="{2FF0BD99-0268-44F0-9233-6285102E9816}" type="datetimeFigureOut">
               <a:rPr lang="en-GB" smtClean="0"/>
-              <a:t>10/12/2024</a:t>
+              <a:t>17/12/2024</a:t>
             </a:fld>
             <a:endParaRPr lang="en-GB"/>
           </a:p>
@@ -3935,7 +4003,7 @@
           <a:p>
             <a:fld id="{2FF0BD99-0268-44F0-9233-6285102E9816}" type="datetimeFigureOut">
               <a:rPr lang="en-GB" smtClean="0"/>
-              <a:t>10/12/2024</a:t>
+              <a:t>17/12/2024</a:t>
             </a:fld>
             <a:endParaRPr lang="en-GB"/>
           </a:p>
@@ -4200,7 +4268,7 @@
           <a:p>
             <a:fld id="{2FF0BD99-0268-44F0-9233-6285102E9816}" type="datetimeFigureOut">
               <a:rPr lang="en-GB" smtClean="0"/>
-              <a:t>10/12/2024</a:t>
+              <a:t>17/12/2024</a:t>
             </a:fld>
             <a:endParaRPr lang="en-GB"/>
           </a:p>
@@ -4612,7 +4680,7 @@
           <a:p>
             <a:fld id="{2FF0BD99-0268-44F0-9233-6285102E9816}" type="datetimeFigureOut">
               <a:rPr lang="en-GB" smtClean="0"/>
-              <a:t>10/12/2024</a:t>
+              <a:t>17/12/2024</a:t>
             </a:fld>
             <a:endParaRPr lang="en-GB"/>
           </a:p>
@@ -4753,7 +4821,7 @@
           <a:p>
             <a:fld id="{2FF0BD99-0268-44F0-9233-6285102E9816}" type="datetimeFigureOut">
               <a:rPr lang="en-GB" smtClean="0"/>
-              <a:t>10/12/2024</a:t>
+              <a:t>17/12/2024</a:t>
             </a:fld>
             <a:endParaRPr lang="en-GB"/>
           </a:p>
@@ -4866,7 +4934,7 @@
           <a:p>
             <a:fld id="{2FF0BD99-0268-44F0-9233-6285102E9816}" type="datetimeFigureOut">
               <a:rPr lang="en-GB" smtClean="0"/>
-              <a:t>10/12/2024</a:t>
+              <a:t>17/12/2024</a:t>
             </a:fld>
             <a:endParaRPr lang="en-GB"/>
           </a:p>
@@ -5177,7 +5245,7 @@
           <a:p>
             <a:fld id="{2FF0BD99-0268-44F0-9233-6285102E9816}" type="datetimeFigureOut">
               <a:rPr lang="en-GB" smtClean="0"/>
-              <a:t>10/12/2024</a:t>
+              <a:t>17/12/2024</a:t>
             </a:fld>
             <a:endParaRPr lang="en-GB"/>
           </a:p>
@@ -5465,7 +5533,7 @@
           <a:p>
             <a:fld id="{2FF0BD99-0268-44F0-9233-6285102E9816}" type="datetimeFigureOut">
               <a:rPr lang="en-GB" smtClean="0"/>
-              <a:t>10/12/2024</a:t>
+              <a:t>17/12/2024</a:t>
             </a:fld>
             <a:endParaRPr lang="en-GB"/>
           </a:p>
@@ -5706,7 +5774,7 @@
           <a:p>
             <a:fld id="{2FF0BD99-0268-44F0-9233-6285102E9816}" type="datetimeFigureOut">
               <a:rPr lang="en-GB" smtClean="0"/>
-              <a:t>10/12/2024</a:t>
+              <a:t>17/12/2024</a:t>
             </a:fld>
             <a:endParaRPr lang="en-GB"/>
           </a:p>
@@ -6695,6 +6763,602 @@
 <file path=ppt/slides/slide3.xml><?xml version="1.0" encoding="utf-8"?>
 <p:sld xmlns:a="http://schemas.openxmlformats.org/drawingml/2006/main" xmlns:r="http://schemas.openxmlformats.org/officeDocument/2006/relationships" xmlns:p="http://schemas.openxmlformats.org/presentationml/2006/main">
   <p:cSld>
+    <p:bg>
+      <p:bgPr>
+        <a:solidFill>
+          <a:schemeClr val="bg1"/>
+        </a:solidFill>
+        <a:effectLst/>
+      </p:bgPr>
+    </p:bg>
+    <p:spTree>
+      <p:nvGrpSpPr>
+        <p:cNvPr id="1" name=""/>
+        <p:cNvGrpSpPr/>
+        <p:nvPr/>
+      </p:nvGrpSpPr>
+      <p:grpSpPr>
+        <a:xfrm>
+          <a:off x="0" y="0"/>
+          <a:ext cx="0" cy="0"/>
+          <a:chOff x="0" y="0"/>
+          <a:chExt cx="0" cy="0"/>
+        </a:xfrm>
+      </p:grpSpPr>
+      <p:sp useBgFill="1">
+        <p:nvSpPr>
+          <p:cNvPr id="12" name="Rectangle 11">
+            <a:extLst>
+              <a:ext uri="{FF2B5EF4-FFF2-40B4-BE49-F238E27FC236}">
+                <a16:creationId xmlns:a16="http://schemas.microsoft.com/office/drawing/2014/main" id="{6570CC06-DB21-401C-BCF8-AAC5FF550D29}"/>
+              </a:ext>
+              <a:ext uri="{C183D7F6-B498-43B3-948B-1728B52AA6E4}">
+                <adec:decorative xmlns:adec="http://schemas.microsoft.com/office/drawing/2017/decorative" val="1"/>
+              </a:ext>
+            </a:extLst>
+          </p:cNvPr>
+          <p:cNvSpPr>
+            <a:spLocks noGrp="1" noRot="1" noChangeAspect="1" noMove="1" noResize="1" noEditPoints="1" noAdjustHandles="1" noChangeArrowheads="1" noChangeShapeType="1" noTextEdit="1"/>
+          </p:cNvSpPr>
+          <p:nvPr>
+            <p:extLst>
+              <p:ext uri="{386F3935-93C4-4BCD-93E2-E3B085C9AB24}">
+                <p16:designElem xmlns:p16="http://schemas.microsoft.com/office/powerpoint/2015/main" val="1"/>
+              </p:ext>
+            </p:extLst>
+          </p:nvPr>
+        </p:nvSpPr>
+        <p:spPr>
+          <a:xfrm>
+            <a:off x="0" y="0"/>
+            <a:ext cx="12188952" cy="6858000"/>
+          </a:xfrm>
+          <a:prstGeom prst="rect">
+            <a:avLst/>
+          </a:prstGeom>
+          <a:ln>
+            <a:noFill/>
+          </a:ln>
+        </p:spPr>
+        <p:style>
+          <a:lnRef idx="2">
+            <a:schemeClr val="accent1">
+              <a:shade val="50000"/>
+            </a:schemeClr>
+          </a:lnRef>
+          <a:fillRef idx="1">
+            <a:schemeClr val="accent1"/>
+          </a:fillRef>
+          <a:effectRef idx="0">
+            <a:schemeClr val="accent1"/>
+          </a:effectRef>
+          <a:fontRef idx="minor">
+            <a:schemeClr val="lt1"/>
+          </a:fontRef>
+        </p:style>
+        <p:txBody>
+          <a:bodyPr rtlCol="0" anchor="ctr"/>
+          <a:lstStyle/>
+          <a:p>
+            <a:pPr algn="ctr"/>
+            <a:endParaRPr lang="en-US"/>
+          </a:p>
+        </p:txBody>
+      </p:sp>
+      <p:sp>
+        <p:nvSpPr>
+          <p:cNvPr id="2" name="Title 1">
+            <a:extLst>
+              <a:ext uri="{FF2B5EF4-FFF2-40B4-BE49-F238E27FC236}">
+                <a16:creationId xmlns:a16="http://schemas.microsoft.com/office/drawing/2014/main" id="{F8465D6A-40FB-2704-182D-A3B49FF07C94}"/>
+              </a:ext>
+            </a:extLst>
+          </p:cNvPr>
+          <p:cNvSpPr>
+            <a:spLocks noGrp="1"/>
+          </p:cNvSpPr>
+          <p:nvPr>
+            <p:ph type="title"/>
+          </p:nvPr>
+        </p:nvSpPr>
+        <p:spPr>
+          <a:xfrm>
+            <a:off x="640080" y="640080"/>
+            <a:ext cx="3566160" cy="3580330"/>
+          </a:xfrm>
+        </p:spPr>
+        <p:txBody>
+          <a:bodyPr vert="horz" lIns="91440" tIns="45720" rIns="91440" bIns="45720" rtlCol="0" anchor="b">
+            <a:normAutofit/>
+          </a:bodyPr>
+          <a:lstStyle/>
+          <a:p>
+            <a:r>
+              <a:rPr lang="en-US" sz="3800"/>
+              <a:t>Communication Methods</a:t>
+            </a:r>
+          </a:p>
+        </p:txBody>
+      </p:sp>
+      <p:pic>
+        <p:nvPicPr>
+          <p:cNvPr id="5" name="Picture 4">
+            <a:extLst>
+              <a:ext uri="{FF2B5EF4-FFF2-40B4-BE49-F238E27FC236}">
+                <a16:creationId xmlns:a16="http://schemas.microsoft.com/office/drawing/2014/main" id="{B466021F-77AC-0B7A-D727-724A636A7A2F}"/>
+              </a:ext>
+            </a:extLst>
+          </p:cNvPr>
+          <p:cNvPicPr>
+            <a:picLocks noChangeAspect="1"/>
+          </p:cNvPicPr>
+          <p:nvPr/>
+        </p:nvPicPr>
+        <p:blipFill>
+          <a:blip r:embed="rId2"/>
+          <a:stretch>
+            <a:fillRect/>
+          </a:stretch>
+        </p:blipFill>
+        <p:spPr>
+          <a:xfrm>
+            <a:off x="4849037" y="699516"/>
+            <a:ext cx="3300984" cy="3300984"/>
+          </a:xfrm>
+          <a:prstGeom prst="rect">
+            <a:avLst/>
+          </a:prstGeom>
+        </p:spPr>
+      </p:pic>
+      <p:pic>
+        <p:nvPicPr>
+          <p:cNvPr id="7" name="Picture 6">
+            <a:extLst>
+              <a:ext uri="{FF2B5EF4-FFF2-40B4-BE49-F238E27FC236}">
+                <a16:creationId xmlns:a16="http://schemas.microsoft.com/office/drawing/2014/main" id="{4F0B8584-126F-B580-3BF5-9CA6A2A30B7E}"/>
+              </a:ext>
+            </a:extLst>
+          </p:cNvPr>
+          <p:cNvPicPr>
+            <a:picLocks noChangeAspect="1"/>
+          </p:cNvPicPr>
+          <p:nvPr/>
+        </p:nvPicPr>
+        <p:blipFill>
+          <a:blip r:embed="rId3">
+            <a:extLst>
+              <a:ext uri="{BEBA8EAE-BF5A-486C-A8C5-ECC9F3942E4B}">
+                <a14:imgProps xmlns:a14="http://schemas.microsoft.com/office/drawing/2010/main">
+                  <a14:imgLayer r:embed="rId4">
+                    <a14:imgEffect>
+                      <a14:backgroundRemoval t="10000" b="90000" l="10000" r="90000">
+                        <a14:foregroundMark x1="42263" y1="31538" x2="42263" y2="31538"/>
+                        <a14:backgroundMark x1="26674" y1="42462" x2="26674" y2="42462"/>
+                        <a14:backgroundMark x1="27252" y1="47077" x2="27252" y2="47077"/>
+                        <a14:backgroundMark x1="73326" y1="42923" x2="73326" y2="42923"/>
+                        <a14:backgroundMark x1="73095" y1="46923" x2="73095" y2="46923"/>
+                      </a14:backgroundRemoval>
+                    </a14:imgEffect>
+                  </a14:imgLayer>
+                </a14:imgProps>
+              </a:ext>
+            </a:extLst>
+          </a:blip>
+          <a:stretch>
+            <a:fillRect/>
+          </a:stretch>
+        </p:blipFill>
+        <p:spPr>
+          <a:xfrm>
+            <a:off x="8287181" y="1060704"/>
+            <a:ext cx="3438144" cy="2578608"/>
+          </a:xfrm>
+          <a:prstGeom prst="rect">
+            <a:avLst/>
+          </a:prstGeom>
+        </p:spPr>
+      </p:pic>
+      <p:sp>
+        <p:nvSpPr>
+          <p:cNvPr id="14" name="sketch line">
+            <a:extLst>
+              <a:ext uri="{FF2B5EF4-FFF2-40B4-BE49-F238E27FC236}">
+                <a16:creationId xmlns:a16="http://schemas.microsoft.com/office/drawing/2014/main" id="{15B998FC-4B98-4A07-B159-9E629180AF40}"/>
+              </a:ext>
+              <a:ext uri="{C183D7F6-B498-43B3-948B-1728B52AA6E4}">
+                <adec:decorative xmlns:adec="http://schemas.microsoft.com/office/drawing/2017/decorative" val="1"/>
+              </a:ext>
+            </a:extLst>
+          </p:cNvPr>
+          <p:cNvSpPr>
+            <a:spLocks noGrp="1" noRot="1" noChangeAspect="1" noMove="1" noResize="1" noEditPoints="1" noAdjustHandles="1" noChangeArrowheads="1" noChangeShapeType="1" noTextEdit="1"/>
+          </p:cNvSpPr>
+          <p:nvPr>
+            <p:extLst>
+              <p:ext uri="{386F3935-93C4-4BCD-93E2-E3B085C9AB24}">
+                <p16:designElem xmlns:p16="http://schemas.microsoft.com/office/powerpoint/2015/main" val="1"/>
+              </p:ext>
+            </p:extLst>
+          </p:nvPr>
+        </p:nvSpPr>
+        <p:spPr>
+          <a:xfrm>
+            <a:off x="640080" y="4409267"/>
+            <a:ext cx="3566160" cy="18288"/>
+          </a:xfrm>
+          <a:custGeom>
+            <a:avLst/>
+            <a:gdLst>
+              <a:gd name="connsiteX0" fmla="*/ 0 w 3566160"/>
+              <a:gd name="connsiteY0" fmla="*/ 0 h 18288"/>
+              <a:gd name="connsiteX1" fmla="*/ 665683 w 3566160"/>
+              <a:gd name="connsiteY1" fmla="*/ 0 h 18288"/>
+              <a:gd name="connsiteX2" fmla="*/ 1331366 w 3566160"/>
+              <a:gd name="connsiteY2" fmla="*/ 0 h 18288"/>
+              <a:gd name="connsiteX3" fmla="*/ 1818742 w 3566160"/>
+              <a:gd name="connsiteY3" fmla="*/ 0 h 18288"/>
+              <a:gd name="connsiteX4" fmla="*/ 2413102 w 3566160"/>
+              <a:gd name="connsiteY4" fmla="*/ 0 h 18288"/>
+              <a:gd name="connsiteX5" fmla="*/ 2936138 w 3566160"/>
+              <a:gd name="connsiteY5" fmla="*/ 0 h 18288"/>
+              <a:gd name="connsiteX6" fmla="*/ 3566160 w 3566160"/>
+              <a:gd name="connsiteY6" fmla="*/ 0 h 18288"/>
+              <a:gd name="connsiteX7" fmla="*/ 3566160 w 3566160"/>
+              <a:gd name="connsiteY7" fmla="*/ 18288 h 18288"/>
+              <a:gd name="connsiteX8" fmla="*/ 2971800 w 3566160"/>
+              <a:gd name="connsiteY8" fmla="*/ 18288 h 18288"/>
+              <a:gd name="connsiteX9" fmla="*/ 2448763 w 3566160"/>
+              <a:gd name="connsiteY9" fmla="*/ 18288 h 18288"/>
+              <a:gd name="connsiteX10" fmla="*/ 1854403 w 3566160"/>
+              <a:gd name="connsiteY10" fmla="*/ 18288 h 18288"/>
+              <a:gd name="connsiteX11" fmla="*/ 1295705 w 3566160"/>
+              <a:gd name="connsiteY11" fmla="*/ 18288 h 18288"/>
+              <a:gd name="connsiteX12" fmla="*/ 772668 w 3566160"/>
+              <a:gd name="connsiteY12" fmla="*/ 18288 h 18288"/>
+              <a:gd name="connsiteX13" fmla="*/ 0 w 3566160"/>
+              <a:gd name="connsiteY13" fmla="*/ 18288 h 18288"/>
+              <a:gd name="connsiteX14" fmla="*/ 0 w 3566160"/>
+              <a:gd name="connsiteY14" fmla="*/ 0 h 18288"/>
+            </a:gdLst>
+            <a:ahLst/>
+            <a:cxnLst>
+              <a:cxn ang="0">
+                <a:pos x="connsiteX0" y="connsiteY0"/>
+              </a:cxn>
+              <a:cxn ang="0">
+                <a:pos x="connsiteX1" y="connsiteY1"/>
+              </a:cxn>
+              <a:cxn ang="0">
+                <a:pos x="connsiteX2" y="connsiteY2"/>
+              </a:cxn>
+              <a:cxn ang="0">
+                <a:pos x="connsiteX3" y="connsiteY3"/>
+              </a:cxn>
+              <a:cxn ang="0">
+                <a:pos x="connsiteX4" y="connsiteY4"/>
+              </a:cxn>
+              <a:cxn ang="0">
+                <a:pos x="connsiteX5" y="connsiteY5"/>
+              </a:cxn>
+              <a:cxn ang="0">
+                <a:pos x="connsiteX6" y="connsiteY6"/>
+              </a:cxn>
+              <a:cxn ang="0">
+                <a:pos x="connsiteX7" y="connsiteY7"/>
+              </a:cxn>
+              <a:cxn ang="0">
+                <a:pos x="connsiteX8" y="connsiteY8"/>
+              </a:cxn>
+              <a:cxn ang="0">
+                <a:pos x="connsiteX9" y="connsiteY9"/>
+              </a:cxn>
+              <a:cxn ang="0">
+                <a:pos x="connsiteX10" y="connsiteY10"/>
+              </a:cxn>
+              <a:cxn ang="0">
+                <a:pos x="connsiteX11" y="connsiteY11"/>
+              </a:cxn>
+              <a:cxn ang="0">
+                <a:pos x="connsiteX12" y="connsiteY12"/>
+              </a:cxn>
+              <a:cxn ang="0">
+                <a:pos x="connsiteX13" y="connsiteY13"/>
+              </a:cxn>
+              <a:cxn ang="0">
+                <a:pos x="connsiteX14" y="connsiteY14"/>
+              </a:cxn>
+            </a:cxnLst>
+            <a:rect l="l" t="t" r="r" b="b"/>
+            <a:pathLst>
+              <a:path w="3566160" h="18288" fill="none" extrusionOk="0">
+                <a:moveTo>
+                  <a:pt x="0" y="0"/>
+                </a:moveTo>
+                <a:cubicBezTo>
+                  <a:pt x="222644" y="15773"/>
+                  <a:pt x="447078" y="-30288"/>
+                  <a:pt x="665683" y="0"/>
+                </a:cubicBezTo>
+                <a:cubicBezTo>
+                  <a:pt x="884288" y="30288"/>
+                  <a:pt x="1132425" y="-6167"/>
+                  <a:pt x="1331366" y="0"/>
+                </a:cubicBezTo>
+                <a:cubicBezTo>
+                  <a:pt x="1530307" y="6167"/>
+                  <a:pt x="1680942" y="17562"/>
+                  <a:pt x="1818742" y="0"/>
+                </a:cubicBezTo>
+                <a:cubicBezTo>
+                  <a:pt x="1956542" y="-17562"/>
+                  <a:pt x="2130227" y="23032"/>
+                  <a:pt x="2413102" y="0"/>
+                </a:cubicBezTo>
+                <a:cubicBezTo>
+                  <a:pt x="2695977" y="-23032"/>
+                  <a:pt x="2679988" y="-13260"/>
+                  <a:pt x="2936138" y="0"/>
+                </a:cubicBezTo>
+                <a:cubicBezTo>
+                  <a:pt x="3192288" y="13260"/>
+                  <a:pt x="3378668" y="16268"/>
+                  <a:pt x="3566160" y="0"/>
+                </a:cubicBezTo>
+                <a:cubicBezTo>
+                  <a:pt x="3566199" y="7328"/>
+                  <a:pt x="3566779" y="9982"/>
+                  <a:pt x="3566160" y="18288"/>
+                </a:cubicBezTo>
+                <a:cubicBezTo>
+                  <a:pt x="3315478" y="45899"/>
+                  <a:pt x="3188272" y="-7574"/>
+                  <a:pt x="2971800" y="18288"/>
+                </a:cubicBezTo>
+                <a:cubicBezTo>
+                  <a:pt x="2755328" y="44150"/>
+                  <a:pt x="2598570" y="34692"/>
+                  <a:pt x="2448763" y="18288"/>
+                </a:cubicBezTo>
+                <a:cubicBezTo>
+                  <a:pt x="2298956" y="1884"/>
+                  <a:pt x="2011344" y="-7043"/>
+                  <a:pt x="1854403" y="18288"/>
+                </a:cubicBezTo>
+                <a:cubicBezTo>
+                  <a:pt x="1697462" y="43619"/>
+                  <a:pt x="1444994" y="618"/>
+                  <a:pt x="1295705" y="18288"/>
+                </a:cubicBezTo>
+                <a:cubicBezTo>
+                  <a:pt x="1146416" y="35958"/>
+                  <a:pt x="965401" y="42167"/>
+                  <a:pt x="772668" y="18288"/>
+                </a:cubicBezTo>
+                <a:cubicBezTo>
+                  <a:pt x="579935" y="-5591"/>
+                  <a:pt x="352420" y="-19381"/>
+                  <a:pt x="0" y="18288"/>
+                </a:cubicBezTo>
+                <a:cubicBezTo>
+                  <a:pt x="-593" y="9736"/>
+                  <a:pt x="244" y="6610"/>
+                  <a:pt x="0" y="0"/>
+                </a:cubicBezTo>
+                <a:close/>
+              </a:path>
+              <a:path w="3566160" h="18288" stroke="0" extrusionOk="0">
+                <a:moveTo>
+                  <a:pt x="0" y="0"/>
+                </a:moveTo>
+                <a:cubicBezTo>
+                  <a:pt x="169947" y="-5008"/>
+                  <a:pt x="340602" y="-17518"/>
+                  <a:pt x="594360" y="0"/>
+                </a:cubicBezTo>
+                <a:cubicBezTo>
+                  <a:pt x="848118" y="17518"/>
+                  <a:pt x="997921" y="8866"/>
+                  <a:pt x="1224382" y="0"/>
+                </a:cubicBezTo>
+                <a:cubicBezTo>
+                  <a:pt x="1450843" y="-8866"/>
+                  <a:pt x="1572343" y="8392"/>
+                  <a:pt x="1783080" y="0"/>
+                </a:cubicBezTo>
+                <a:cubicBezTo>
+                  <a:pt x="1993817" y="-8392"/>
+                  <a:pt x="2266728" y="2126"/>
+                  <a:pt x="2448763" y="0"/>
+                </a:cubicBezTo>
+                <a:cubicBezTo>
+                  <a:pt x="2630798" y="-2126"/>
+                  <a:pt x="2815508" y="-13843"/>
+                  <a:pt x="3043123" y="0"/>
+                </a:cubicBezTo>
+                <a:cubicBezTo>
+                  <a:pt x="3270738" y="13843"/>
+                  <a:pt x="3420568" y="2184"/>
+                  <a:pt x="3566160" y="0"/>
+                </a:cubicBezTo>
+                <a:cubicBezTo>
+                  <a:pt x="3566487" y="8595"/>
+                  <a:pt x="3566088" y="13110"/>
+                  <a:pt x="3566160" y="18288"/>
+                </a:cubicBezTo>
+                <a:cubicBezTo>
+                  <a:pt x="3421748" y="9323"/>
+                  <a:pt x="3176383" y="-3939"/>
+                  <a:pt x="2971800" y="18288"/>
+                </a:cubicBezTo>
+                <a:cubicBezTo>
+                  <a:pt x="2767217" y="40515"/>
+                  <a:pt x="2590769" y="4336"/>
+                  <a:pt x="2306117" y="18288"/>
+                </a:cubicBezTo>
+                <a:cubicBezTo>
+                  <a:pt x="2021465" y="32240"/>
+                  <a:pt x="1860727" y="-9280"/>
+                  <a:pt x="1676095" y="18288"/>
+                </a:cubicBezTo>
+                <a:cubicBezTo>
+                  <a:pt x="1491463" y="45856"/>
+                  <a:pt x="1329173" y="5765"/>
+                  <a:pt x="1153058" y="18288"/>
+                </a:cubicBezTo>
+                <a:cubicBezTo>
+                  <a:pt x="976943" y="30811"/>
+                  <a:pt x="895178" y="4751"/>
+                  <a:pt x="665683" y="18288"/>
+                </a:cubicBezTo>
+                <a:cubicBezTo>
+                  <a:pt x="436189" y="31825"/>
+                  <a:pt x="302924" y="2002"/>
+                  <a:pt x="0" y="18288"/>
+                </a:cubicBezTo>
+                <a:cubicBezTo>
+                  <a:pt x="822" y="10564"/>
+                  <a:pt x="-23" y="4571"/>
+                  <a:pt x="0" y="0"/>
+                </a:cubicBezTo>
+                <a:close/>
+              </a:path>
+            </a:pathLst>
+          </a:custGeom>
+          <a:solidFill>
+            <a:schemeClr val="accent2"/>
+          </a:solidFill>
+          <a:ln w="41275" cap="rnd">
+            <a:solidFill>
+              <a:schemeClr val="accent2"/>
+            </a:solidFill>
+            <a:round/>
+            <a:extLst>
+              <a:ext uri="{C807C97D-BFC1-408E-A445-0C87EB9F89A2}">
+                <ask:lineSketchStyleProps xmlns:ask="http://schemas.microsoft.com/office/drawing/2018/sketchyshapes" sd="2448976505">
+                  <a:prstGeom prst="rect">
+                    <a:avLst/>
+                  </a:prstGeom>
+                  <ask:type>
+                    <ask:lineSketchFreehand/>
+                  </ask:type>
+                </ask:lineSketchStyleProps>
+              </a:ext>
+            </a:extLst>
+          </a:ln>
+        </p:spPr>
+        <p:style>
+          <a:lnRef idx="2">
+            <a:schemeClr val="accent1">
+              <a:shade val="50000"/>
+            </a:schemeClr>
+          </a:lnRef>
+          <a:fillRef idx="1">
+            <a:schemeClr val="accent1"/>
+          </a:fillRef>
+          <a:effectRef idx="0">
+            <a:schemeClr val="accent1"/>
+          </a:effectRef>
+          <a:fontRef idx="minor">
+            <a:schemeClr val="lt1"/>
+          </a:fontRef>
+        </p:style>
+        <p:txBody>
+          <a:bodyPr rtlCol="0" anchor="ctr"/>
+          <a:lstStyle/>
+          <a:p>
+            <a:pPr algn="ctr"/>
+            <a:endParaRPr lang="en-US"/>
+          </a:p>
+        </p:txBody>
+      </p:sp>
+      <p:pic>
+        <p:nvPicPr>
+          <p:cNvPr id="6" name="Picture 5">
+            <a:extLst>
+              <a:ext uri="{FF2B5EF4-FFF2-40B4-BE49-F238E27FC236}">
+                <a16:creationId xmlns:a16="http://schemas.microsoft.com/office/drawing/2014/main" id="{03BBE44D-16E7-6EB8-311B-B30D365B787B}"/>
+              </a:ext>
+            </a:extLst>
+          </p:cNvPr>
+          <p:cNvPicPr>
+            <a:picLocks noChangeAspect="1"/>
+          </p:cNvPicPr>
+          <p:nvPr/>
+        </p:nvPicPr>
+        <p:blipFill>
+          <a:blip r:embed="rId5">
+            <a:extLst>
+              <a:ext uri="{BEBA8EAE-BF5A-486C-A8C5-ECC9F3942E4B}">
+                <a14:imgProps xmlns:a14="http://schemas.microsoft.com/office/drawing/2010/main">
+                  <a14:imgLayer r:embed="rId6">
+                    <a14:imgEffect>
+                      <a14:artisticCutout/>
+                    </a14:imgEffect>
+                  </a14:imgLayer>
+                </a14:imgProps>
+              </a:ext>
+            </a:extLst>
+          </a:blip>
+          <a:stretch>
+            <a:fillRect/>
+          </a:stretch>
+        </p:blipFill>
+        <p:spPr>
+          <a:xfrm>
+            <a:off x="5153924" y="4215384"/>
+            <a:ext cx="2691210" cy="2011680"/>
+          </a:xfrm>
+          <a:prstGeom prst="rect">
+            <a:avLst/>
+          </a:prstGeom>
+        </p:spPr>
+      </p:pic>
+      <p:pic>
+        <p:nvPicPr>
+          <p:cNvPr id="4" name="Picture 3">
+            <a:extLst>
+              <a:ext uri="{FF2B5EF4-FFF2-40B4-BE49-F238E27FC236}">
+                <a16:creationId xmlns:a16="http://schemas.microsoft.com/office/drawing/2014/main" id="{828954D5-5796-DCB2-414D-467B2350D400}"/>
+              </a:ext>
+            </a:extLst>
+          </p:cNvPr>
+          <p:cNvPicPr>
+            <a:picLocks noChangeAspect="1"/>
+          </p:cNvPicPr>
+          <p:nvPr/>
+        </p:nvPicPr>
+        <p:blipFill>
+          <a:blip r:embed="rId7"/>
+          <a:stretch>
+            <a:fillRect/>
+          </a:stretch>
+        </p:blipFill>
+        <p:spPr>
+          <a:xfrm>
+            <a:off x="8287180" y="4254246"/>
+            <a:ext cx="3438143" cy="1933955"/>
+          </a:xfrm>
+          <a:prstGeom prst="rect">
+            <a:avLst/>
+          </a:prstGeom>
+        </p:spPr>
+      </p:pic>
+    </p:spTree>
+    <p:extLst>
+      <p:ext uri="{BB962C8B-B14F-4D97-AF65-F5344CB8AC3E}">
+        <p14:creationId xmlns:p14="http://schemas.microsoft.com/office/powerpoint/2010/main" val="122054572"/>
+      </p:ext>
+    </p:extLst>
+  </p:cSld>
+  <p:clrMapOvr>
+    <a:masterClrMapping/>
+  </p:clrMapOvr>
+</p:sld>
+</file>
+
+<file path=ppt/slides/slide4.xml><?xml version="1.0" encoding="utf-8"?>
+<p:sld xmlns:a="http://schemas.openxmlformats.org/drawingml/2006/main" xmlns:r="http://schemas.openxmlformats.org/officeDocument/2006/relationships" xmlns:p="http://schemas.openxmlformats.org/presentationml/2006/main">
+  <p:cSld>
     <p:spTree>
       <p:nvGrpSpPr>
         <p:cNvPr id="1" name=""/>
@@ -6765,9 +7429,24 @@
           </a:p>
           <a:p>
             <a:r>
-              <a:rPr lang="en-GB"/>
+              <a:rPr lang="en-GB" dirty="0"/>
               <a:t>Reasons:</a:t>
             </a:r>
+          </a:p>
+          <a:p>
+            <a:pPr lvl="1"/>
+            <a:r>
+              <a:rPr lang="en-GB" dirty="0"/>
+              <a:t>We both preferred the idea of working with Cisco networking devices over writing a python </a:t>
+            </a:r>
+            <a:r>
+              <a:rPr lang="en-GB"/>
+              <a:t>app that used REST API’s</a:t>
+            </a:r>
+          </a:p>
+          <a:p>
+            <a:pPr lvl="1"/>
+            <a:endParaRPr lang="en-GB" dirty="0"/>
           </a:p>
           <a:p>
             <a:pPr lvl="1"/>
@@ -6779,6 +7458,304 @@
     <p:extLst>
       <p:ext uri="{BB962C8B-B14F-4D97-AF65-F5344CB8AC3E}">
         <p14:creationId xmlns:p14="http://schemas.microsoft.com/office/powerpoint/2010/main" val="3124662253"/>
+      </p:ext>
+    </p:extLst>
+  </p:cSld>
+  <p:clrMapOvr>
+    <a:masterClrMapping/>
+  </p:clrMapOvr>
+</p:sld>
+</file>
+
+<file path=ppt/slides/slide5.xml><?xml version="1.0" encoding="utf-8"?>
+<p:sld xmlns:a="http://schemas.openxmlformats.org/drawingml/2006/main" xmlns:r="http://schemas.openxmlformats.org/officeDocument/2006/relationships" xmlns:p="http://schemas.openxmlformats.org/presentationml/2006/main">
+  <p:cSld>
+    <p:bg>
+      <p:bgPr>
+        <a:solidFill>
+          <a:schemeClr val="bg1"/>
+        </a:solidFill>
+        <a:effectLst/>
+      </p:bgPr>
+    </p:bg>
+    <p:spTree>
+      <p:nvGrpSpPr>
+        <p:cNvPr id="1" name=""/>
+        <p:cNvGrpSpPr/>
+        <p:nvPr/>
+      </p:nvGrpSpPr>
+      <p:grpSpPr>
+        <a:xfrm>
+          <a:off x="0" y="0"/>
+          <a:ext cx="0" cy="0"/>
+          <a:chOff x="0" y="0"/>
+          <a:chExt cx="0" cy="0"/>
+        </a:xfrm>
+      </p:grpSpPr>
+      <p:sp useBgFill="1">
+        <p:nvSpPr>
+          <p:cNvPr id="10" name="Rectangle 9">
+            <a:extLst>
+              <a:ext uri="{FF2B5EF4-FFF2-40B4-BE49-F238E27FC236}">
+                <a16:creationId xmlns:a16="http://schemas.microsoft.com/office/drawing/2014/main" id="{19D32F93-50AC-4C46-A5DB-291C60DDB7BD}"/>
+              </a:ext>
+              <a:ext uri="{C183D7F6-B498-43B3-948B-1728B52AA6E4}">
+                <adec:decorative xmlns:adec="http://schemas.microsoft.com/office/drawing/2017/decorative" val="1"/>
+              </a:ext>
+            </a:extLst>
+          </p:cNvPr>
+          <p:cNvSpPr>
+            <a:spLocks noGrp="1" noRot="1" noChangeAspect="1" noMove="1" noResize="1" noEditPoints="1" noAdjustHandles="1" noChangeArrowheads="1" noChangeShapeType="1" noTextEdit="1"/>
+          </p:cNvSpPr>
+          <p:nvPr>
+            <p:extLst>
+              <p:ext uri="{386F3935-93C4-4BCD-93E2-E3B085C9AB24}">
+                <p16:designElem xmlns:p16="http://schemas.microsoft.com/office/powerpoint/2015/main" val="1"/>
+              </p:ext>
+            </p:extLst>
+          </p:nvPr>
+        </p:nvSpPr>
+        <p:spPr>
+          <a:xfrm>
+            <a:off x="0" y="0"/>
+            <a:ext cx="12192000" cy="6858000"/>
+          </a:xfrm>
+          <a:prstGeom prst="rect">
+            <a:avLst/>
+          </a:prstGeom>
+          <a:ln>
+            <a:noFill/>
+          </a:ln>
+        </p:spPr>
+        <p:style>
+          <a:lnRef idx="2">
+            <a:schemeClr val="accent1">
+              <a:shade val="50000"/>
+            </a:schemeClr>
+          </a:lnRef>
+          <a:fillRef idx="1">
+            <a:schemeClr val="accent1"/>
+          </a:fillRef>
+          <a:effectRef idx="0">
+            <a:schemeClr val="accent1"/>
+          </a:effectRef>
+          <a:fontRef idx="minor">
+            <a:schemeClr val="lt1"/>
+          </a:fontRef>
+        </p:style>
+        <p:txBody>
+          <a:bodyPr rtlCol="0" anchor="ctr"/>
+          <a:lstStyle/>
+          <a:p>
+            <a:pPr algn="ctr"/>
+            <a:endParaRPr lang="en-US"/>
+          </a:p>
+        </p:txBody>
+      </p:sp>
+      <p:pic>
+        <p:nvPicPr>
+          <p:cNvPr id="5" name="Picture 4">
+            <a:extLst>
+              <a:ext uri="{FF2B5EF4-FFF2-40B4-BE49-F238E27FC236}">
+                <a16:creationId xmlns:a16="http://schemas.microsoft.com/office/drawing/2014/main" id="{501BB78D-FE07-2ADB-8BB9-2FF328D98F5B}"/>
+              </a:ext>
+            </a:extLst>
+          </p:cNvPr>
+          <p:cNvPicPr>
+            <a:picLocks noChangeAspect="1"/>
+          </p:cNvPicPr>
+          <p:nvPr/>
+        </p:nvPicPr>
+        <p:blipFill rotWithShape="1">
+          <a:blip r:embed="rId2"/>
+          <a:srcRect l="2819" t="15817" r="5164" b="25975"/>
+          <a:stretch/>
+        </p:blipFill>
+        <p:spPr>
+          <a:xfrm>
+            <a:off x="770271" y="1426669"/>
+            <a:ext cx="10240629" cy="1375488"/>
+          </a:xfrm>
+          <a:prstGeom prst="rect">
+            <a:avLst/>
+          </a:prstGeom>
+        </p:spPr>
+      </p:pic>
+      <p:sp>
+        <p:nvSpPr>
+          <p:cNvPr id="12" name="Right Triangle 11">
+            <a:extLst>
+              <a:ext uri="{FF2B5EF4-FFF2-40B4-BE49-F238E27FC236}">
+                <a16:creationId xmlns:a16="http://schemas.microsoft.com/office/drawing/2014/main" id="{827DC2C4-B485-428A-BF4A-472D2967F47F}"/>
+              </a:ext>
+              <a:ext uri="{C183D7F6-B498-43B3-948B-1728B52AA6E4}">
+                <adec:decorative xmlns:adec="http://schemas.microsoft.com/office/drawing/2017/decorative" val="1"/>
+              </a:ext>
+            </a:extLst>
+          </p:cNvPr>
+          <p:cNvSpPr>
+            <a:spLocks noGrp="1" noRot="1" noChangeAspect="1" noMove="1" noResize="1" noEditPoints="1" noAdjustHandles="1" noChangeArrowheads="1" noChangeShapeType="1" noTextEdit="1"/>
+          </p:cNvSpPr>
+          <p:nvPr>
+            <p:extLst>
+              <p:ext uri="{386F3935-93C4-4BCD-93E2-E3B085C9AB24}">
+                <p16:designElem xmlns:p16="http://schemas.microsoft.com/office/powerpoint/2015/main" val="1"/>
+              </p:ext>
+            </p:extLst>
+          </p:nvPr>
+        </p:nvSpPr>
+        <p:spPr>
+          <a:xfrm flipH="1">
+            <a:off x="8576720" y="3335867"/>
+            <a:ext cx="3291840" cy="3200400"/>
+          </a:xfrm>
+          <a:prstGeom prst="rtTriangle">
+            <a:avLst/>
+          </a:prstGeom>
+          <a:solidFill>
+            <a:schemeClr val="accent4"/>
+          </a:solidFill>
+          <a:ln>
+            <a:noFill/>
+          </a:ln>
+        </p:spPr>
+        <p:style>
+          <a:lnRef idx="2">
+            <a:schemeClr val="accent1">
+              <a:shade val="50000"/>
+            </a:schemeClr>
+          </a:lnRef>
+          <a:fillRef idx="1">
+            <a:schemeClr val="accent1"/>
+          </a:fillRef>
+          <a:effectRef idx="0">
+            <a:schemeClr val="accent1"/>
+          </a:effectRef>
+          <a:fontRef idx="minor">
+            <a:schemeClr val="lt1"/>
+          </a:fontRef>
+        </p:style>
+        <p:txBody>
+          <a:bodyPr rtlCol="0" anchor="ctr"/>
+          <a:lstStyle/>
+          <a:p>
+            <a:pPr algn="ctr"/>
+            <a:endParaRPr lang="en-US" dirty="0"/>
+          </a:p>
+        </p:txBody>
+      </p:sp>
+      <p:sp>
+        <p:nvSpPr>
+          <p:cNvPr id="14" name="Rectangle 13">
+            <a:extLst>
+              <a:ext uri="{FF2B5EF4-FFF2-40B4-BE49-F238E27FC236}">
+                <a16:creationId xmlns:a16="http://schemas.microsoft.com/office/drawing/2014/main" id="{EE04B5EB-F158-4507-90DD-BD23620C7CC9}"/>
+              </a:ext>
+              <a:ext uri="{C183D7F6-B498-43B3-948B-1728B52AA6E4}">
+                <adec:decorative xmlns:adec="http://schemas.microsoft.com/office/drawing/2017/decorative" val="1"/>
+              </a:ext>
+            </a:extLst>
+          </p:cNvPr>
+          <p:cNvSpPr>
+            <a:spLocks noGrp="1" noRot="1" noChangeAspect="1" noMove="1" noResize="1" noEditPoints="1" noAdjustHandles="1" noChangeArrowheads="1" noChangeShapeType="1" noTextEdit="1"/>
+          </p:cNvSpPr>
+          <p:nvPr>
+            <p:extLst>
+              <p:ext uri="{386F3935-93C4-4BCD-93E2-E3B085C9AB24}">
+                <p16:designElem xmlns:p16="http://schemas.microsoft.com/office/powerpoint/2015/main" val="1"/>
+              </p:ext>
+            </p:extLst>
+          </p:nvPr>
+        </p:nvSpPr>
+        <p:spPr>
+          <a:xfrm>
+            <a:off x="641774" y="623275"/>
+            <a:ext cx="10905053" cy="5607882"/>
+          </a:xfrm>
+          <a:prstGeom prst="rect">
+            <a:avLst/>
+          </a:prstGeom>
+          <a:noFill/>
+          <a:ln w="19050">
+            <a:solidFill>
+              <a:schemeClr val="tx1">
+                <a:lumMod val="75000"/>
+                <a:lumOff val="25000"/>
+              </a:schemeClr>
+            </a:solidFill>
+          </a:ln>
+        </p:spPr>
+        <p:style>
+          <a:lnRef idx="2">
+            <a:schemeClr val="accent1">
+              <a:shade val="50000"/>
+            </a:schemeClr>
+          </a:lnRef>
+          <a:fillRef idx="1">
+            <a:schemeClr val="accent1"/>
+          </a:fillRef>
+          <a:effectRef idx="0">
+            <a:schemeClr val="accent1"/>
+          </a:effectRef>
+          <a:fontRef idx="minor">
+            <a:schemeClr val="lt1"/>
+          </a:fontRef>
+        </p:style>
+        <p:txBody>
+          <a:bodyPr rtlCol="0" anchor="ctr"/>
+          <a:lstStyle/>
+          <a:p>
+            <a:pPr algn="ctr"/>
+            <a:endParaRPr lang="en-US"/>
+          </a:p>
+        </p:txBody>
+      </p:sp>
+      <p:sp>
+        <p:nvSpPr>
+          <p:cNvPr id="2" name="Title 1">
+            <a:extLst>
+              <a:ext uri="{FF2B5EF4-FFF2-40B4-BE49-F238E27FC236}">
+                <a16:creationId xmlns:a16="http://schemas.microsoft.com/office/drawing/2014/main" id="{8B9788A3-2493-04FD-540D-DA0F4C3837B5}"/>
+              </a:ext>
+            </a:extLst>
+          </p:cNvPr>
+          <p:cNvSpPr>
+            <a:spLocks noGrp="1"/>
+          </p:cNvSpPr>
+          <p:nvPr>
+            <p:ph type="title"/>
+          </p:nvPr>
+        </p:nvSpPr>
+        <p:spPr>
+          <a:xfrm>
+            <a:off x="1289304" y="3429000"/>
+            <a:ext cx="8921672" cy="1713305"/>
+          </a:xfrm>
+        </p:spPr>
+        <p:txBody>
+          <a:bodyPr vert="horz" lIns="91440" tIns="45720" rIns="91440" bIns="45720" rtlCol="0" anchor="b">
+            <a:normAutofit/>
+          </a:bodyPr>
+          <a:lstStyle/>
+          <a:p>
+            <a:r>
+              <a:rPr lang="en-US" sz="8000" kern="1200">
+                <a:solidFill>
+                  <a:schemeClr val="tx1"/>
+                </a:solidFill>
+                <a:latin typeface="+mj-lt"/>
+                <a:ea typeface="+mj-ea"/>
+                <a:cs typeface="+mj-cs"/>
+              </a:rPr>
+              <a:t>Basic Topology</a:t>
+            </a:r>
+          </a:p>
+        </p:txBody>
+      </p:sp>
+    </p:spTree>
+    <p:extLst>
+      <p:ext uri="{BB962C8B-B14F-4D97-AF65-F5344CB8AC3E}">
+        <p14:creationId xmlns:p14="http://schemas.microsoft.com/office/powerpoint/2010/main" val="2075218565"/>
       </p:ext>
     </p:extLst>
   </p:cSld>

--- a/Presentation.pptx
+++ b/Presentation.pptx
@@ -119,7 +119,7 @@
 <file path=ppt/revisionInfo.xml><?xml version="1.0" encoding="utf-8"?>
 <p1510:revInfo xmlns:a="http://schemas.openxmlformats.org/drawingml/2006/main" xmlns:r="http://schemas.openxmlformats.org/officeDocument/2006/relationships" xmlns:p1510="http://schemas.microsoft.com/office/powerpoint/2015/10/main">
   <p1510:revLst>
-    <p1510:client id="{9644BDA9-B3F6-43CE-8DA9-3631164CC92E}" v="13" dt="2024-12-17T13:15:00.152"/>
+    <p1510:client id="{9644BDA9-B3F6-43CE-8DA9-3631164CC92E}" v="22" dt="2024-12-17T13:43:34.282"/>
   </p1510:revLst>
 </p1510:revInfo>
 </file>
@@ -128,8 +128,8 @@
 <pc:chgInfo xmlns:a="http://schemas.openxmlformats.org/drawingml/2006/main" xmlns:r="http://schemas.openxmlformats.org/officeDocument/2006/relationships" xmlns:ac="http://schemas.microsoft.com/office/drawing/2013/main/command" xmlns:pc="http://schemas.microsoft.com/office/powerpoint/2013/main/command">
   <pc:docChgLst>
     <pc:chgData name="Jon Morgan (2218940)" userId="3d056735-30a3-4fce-ba59-f5d79205b9f6" providerId="ADAL" clId="{9644BDA9-B3F6-43CE-8DA9-3631164CC92E}"/>
-    <pc:docChg chg="modSld">
-      <pc:chgData name="Jon Morgan (2218940)" userId="3d056735-30a3-4fce-ba59-f5d79205b9f6" providerId="ADAL" clId="{9644BDA9-B3F6-43CE-8DA9-3631164CC92E}" dt="2024-12-17T13:15:00.152" v="11"/>
+    <pc:docChg chg="undo custSel addSld delSld modSld">
+      <pc:chgData name="Jon Morgan (2218940)" userId="3d056735-30a3-4fce-ba59-f5d79205b9f6" providerId="ADAL" clId="{9644BDA9-B3F6-43CE-8DA9-3631164CC92E}" dt="2024-12-17T13:44:24.029" v="333" actId="2696"/>
       <pc:docMkLst>
         <pc:docMk/>
       </pc:docMkLst>
@@ -171,6 +171,100 @@
             <ac:picMk id="7" creationId="{4F0B8584-126F-B580-3BF5-9CA6A2A30B7E}"/>
           </ac:picMkLst>
         </pc:picChg>
+      </pc:sldChg>
+      <pc:sldChg chg="addSp modSp mod">
+        <pc:chgData name="Jon Morgan (2218940)" userId="3d056735-30a3-4fce-ba59-f5d79205b9f6" providerId="ADAL" clId="{9644BDA9-B3F6-43CE-8DA9-3631164CC92E}" dt="2024-12-17T13:43:57.699" v="332" actId="20577"/>
+        <pc:sldMkLst>
+          <pc:docMk/>
+          <pc:sldMk cId="2075218565" sldId="260"/>
+        </pc:sldMkLst>
+        <pc:spChg chg="mod">
+          <ac:chgData name="Jon Morgan (2218940)" userId="3d056735-30a3-4fce-ba59-f5d79205b9f6" providerId="ADAL" clId="{9644BDA9-B3F6-43CE-8DA9-3631164CC92E}" dt="2024-12-17T13:43:16.789" v="327" actId="404"/>
+          <ac:spMkLst>
+            <pc:docMk/>
+            <pc:sldMk cId="2075218565" sldId="260"/>
+            <ac:spMk id="2" creationId="{8B9788A3-2493-04FD-540D-DA0F4C3837B5}"/>
+          </ac:spMkLst>
+        </pc:spChg>
+        <pc:graphicFrameChg chg="add mod modGraphic">
+          <ac:chgData name="Jon Morgan (2218940)" userId="3d056735-30a3-4fce-ba59-f5d79205b9f6" providerId="ADAL" clId="{9644BDA9-B3F6-43CE-8DA9-3631164CC92E}" dt="2024-12-17T13:42:35.308" v="318" actId="1076"/>
+          <ac:graphicFrameMkLst>
+            <pc:docMk/>
+            <pc:sldMk cId="2075218565" sldId="260"/>
+            <ac:graphicFrameMk id="3" creationId="{B0A576CB-5A68-5383-B072-5D7914937E37}"/>
+          </ac:graphicFrameMkLst>
+        </pc:graphicFrameChg>
+        <pc:graphicFrameChg chg="add mod modGraphic">
+          <ac:chgData name="Jon Morgan (2218940)" userId="3d056735-30a3-4fce-ba59-f5d79205b9f6" providerId="ADAL" clId="{9644BDA9-B3F6-43CE-8DA9-3631164CC92E}" dt="2024-12-17T13:43:25.475" v="328" actId="1076"/>
+          <ac:graphicFrameMkLst>
+            <pc:docMk/>
+            <pc:sldMk cId="2075218565" sldId="260"/>
+            <ac:graphicFrameMk id="4" creationId="{A4B7F0A7-68E2-67B5-8020-0A88A41A3151}"/>
+          </ac:graphicFrameMkLst>
+        </pc:graphicFrameChg>
+        <pc:graphicFrameChg chg="add mod modGraphic">
+          <ac:chgData name="Jon Morgan (2218940)" userId="3d056735-30a3-4fce-ba59-f5d79205b9f6" providerId="ADAL" clId="{9644BDA9-B3F6-43CE-8DA9-3631164CC92E}" dt="2024-12-17T13:43:57.699" v="332" actId="20577"/>
+          <ac:graphicFrameMkLst>
+            <pc:docMk/>
+            <pc:sldMk cId="2075218565" sldId="260"/>
+            <ac:graphicFrameMk id="6" creationId="{E9CCF40A-450D-79BF-2704-8097A9C4F262}"/>
+          </ac:graphicFrameMkLst>
+        </pc:graphicFrameChg>
+        <pc:picChg chg="mod">
+          <ac:chgData name="Jon Morgan (2218940)" userId="3d056735-30a3-4fce-ba59-f5d79205b9f6" providerId="ADAL" clId="{9644BDA9-B3F6-43CE-8DA9-3631164CC92E}" dt="2024-12-17T13:42:20.933" v="314" actId="1076"/>
+          <ac:picMkLst>
+            <pc:docMk/>
+            <pc:sldMk cId="2075218565" sldId="260"/>
+            <ac:picMk id="5" creationId="{501BB78D-FE07-2ADB-8BB9-2FF328D98F5B}"/>
+          </ac:picMkLst>
+        </pc:picChg>
+      </pc:sldChg>
+      <pc:sldChg chg="addSp delSp modSp new del mod">
+        <pc:chgData name="Jon Morgan (2218940)" userId="3d056735-30a3-4fce-ba59-f5d79205b9f6" providerId="ADAL" clId="{9644BDA9-B3F6-43CE-8DA9-3631164CC92E}" dt="2024-12-17T13:44:24.029" v="333" actId="2696"/>
+        <pc:sldMkLst>
+          <pc:docMk/>
+          <pc:sldMk cId="3812764703" sldId="261"/>
+        </pc:sldMkLst>
+        <pc:spChg chg="mod">
+          <ac:chgData name="Jon Morgan (2218940)" userId="3d056735-30a3-4fce-ba59-f5d79205b9f6" providerId="ADAL" clId="{9644BDA9-B3F6-43CE-8DA9-3631164CC92E}" dt="2024-12-17T13:34:31.680" v="19" actId="20577"/>
+          <ac:spMkLst>
+            <pc:docMk/>
+            <pc:sldMk cId="3812764703" sldId="261"/>
+            <ac:spMk id="2" creationId="{702A6A1D-491B-D3CC-3607-80E8DAE81796}"/>
+          </ac:spMkLst>
+        </pc:spChg>
+        <pc:spChg chg="del">
+          <ac:chgData name="Jon Morgan (2218940)" userId="3d056735-30a3-4fce-ba59-f5d79205b9f6" providerId="ADAL" clId="{9644BDA9-B3F6-43CE-8DA9-3631164CC92E}" dt="2024-12-17T13:34:36.390" v="20" actId="478"/>
+          <ac:spMkLst>
+            <pc:docMk/>
+            <pc:sldMk cId="3812764703" sldId="261"/>
+            <ac:spMk id="3" creationId="{5358B409-F89D-9F81-1CC7-D197C6937EA2}"/>
+          </ac:spMkLst>
+        </pc:spChg>
+        <pc:graphicFrameChg chg="add mod modGraphic">
+          <ac:chgData name="Jon Morgan (2218940)" userId="3d056735-30a3-4fce-ba59-f5d79205b9f6" providerId="ADAL" clId="{9644BDA9-B3F6-43CE-8DA9-3631164CC92E}" dt="2024-12-17T13:39:57.064" v="204" actId="1076"/>
+          <ac:graphicFrameMkLst>
+            <pc:docMk/>
+            <pc:sldMk cId="3812764703" sldId="261"/>
+            <ac:graphicFrameMk id="4" creationId="{BA213734-79AB-1DC6-5583-E9027ED1F510}"/>
+          </ac:graphicFrameMkLst>
+        </pc:graphicFrameChg>
+        <pc:graphicFrameChg chg="add mod modGraphic">
+          <ac:chgData name="Jon Morgan (2218940)" userId="3d056735-30a3-4fce-ba59-f5d79205b9f6" providerId="ADAL" clId="{9644BDA9-B3F6-43CE-8DA9-3631164CC92E}" dt="2024-12-17T13:40:28.072" v="209" actId="1076"/>
+          <ac:graphicFrameMkLst>
+            <pc:docMk/>
+            <pc:sldMk cId="3812764703" sldId="261"/>
+            <ac:graphicFrameMk id="5" creationId="{C67969D5-1BFE-B98C-B59C-C0896999EC8F}"/>
+          </ac:graphicFrameMkLst>
+        </pc:graphicFrameChg>
+        <pc:graphicFrameChg chg="add mod modGraphic">
+          <ac:chgData name="Jon Morgan (2218940)" userId="3d056735-30a3-4fce-ba59-f5d79205b9f6" providerId="ADAL" clId="{9644BDA9-B3F6-43CE-8DA9-3631164CC92E}" dt="2024-12-17T13:41:34.877" v="309" actId="20577"/>
+          <ac:graphicFrameMkLst>
+            <pc:docMk/>
+            <pc:sldMk cId="3812764703" sldId="261"/>
+            <ac:graphicFrameMk id="6" creationId="{6758C8CB-6E48-CAAD-6ADD-174A77FF7C22}"/>
+          </ac:graphicFrameMkLst>
+        </pc:graphicFrameChg>
       </pc:sldChg>
     </pc:docChg>
   </pc:docChgLst>
@@ -7573,7 +7667,7 @@
         </p:blipFill>
         <p:spPr>
           <a:xfrm>
-            <a:off x="770271" y="1426669"/>
+            <a:off x="854161" y="2051728"/>
             <a:ext cx="10240629" cy="1375488"/>
           </a:xfrm>
           <a:prstGeom prst="rect">
@@ -7728,18 +7822,18 @@
         </p:nvSpPr>
         <p:spPr>
           <a:xfrm>
-            <a:off x="1289304" y="3429000"/>
-            <a:ext cx="8921672" cy="1713305"/>
+            <a:off x="770272" y="5469621"/>
+            <a:ext cx="6905656" cy="707273"/>
           </a:xfrm>
         </p:spPr>
         <p:txBody>
           <a:bodyPr vert="horz" lIns="91440" tIns="45720" rIns="91440" bIns="45720" rtlCol="0" anchor="b">
-            <a:normAutofit/>
+            <a:noAutofit/>
           </a:bodyPr>
           <a:lstStyle/>
           <a:p>
             <a:r>
-              <a:rPr lang="en-US" sz="8000" kern="1200">
+              <a:rPr lang="en-US" sz="5400" kern="1200" dirty="0">
                 <a:solidFill>
                   <a:schemeClr val="tx1"/>
                 </a:solidFill>
@@ -7752,6 +7846,598 @@
           </a:p>
         </p:txBody>
       </p:sp>
+      <p:graphicFrame>
+        <p:nvGraphicFramePr>
+          <p:cNvPr id="3" name="Table 2">
+            <a:extLst>
+              <a:ext uri="{FF2B5EF4-FFF2-40B4-BE49-F238E27FC236}">
+                <a16:creationId xmlns:a16="http://schemas.microsoft.com/office/drawing/2014/main" id="{B0A576CB-5A68-5383-B072-5D7914937E37}"/>
+              </a:ext>
+            </a:extLst>
+          </p:cNvPr>
+          <p:cNvGraphicFramePr>
+            <a:graphicFrameLocks noGrp="1"/>
+          </p:cNvGraphicFramePr>
+          <p:nvPr>
+            <p:extLst>
+              <p:ext uri="{D42A27DB-BD31-4B8C-83A1-F6EECF244321}">
+                <p14:modId xmlns:p14="http://schemas.microsoft.com/office/powerpoint/2010/main" val="2624259145"/>
+              </p:ext>
+            </p:extLst>
+          </p:nvPr>
+        </p:nvGraphicFramePr>
+        <p:xfrm>
+          <a:off x="4296992" y="896688"/>
+          <a:ext cx="3354966" cy="1155040"/>
+        </p:xfrm>
+        <a:graphic>
+          <a:graphicData uri="http://schemas.openxmlformats.org/drawingml/2006/table">
+            <a:tbl>
+              <a:tblPr firstRow="1" bandRow="1">
+                <a:tableStyleId>{5C22544A-7EE6-4342-B048-85BDC9FD1C3A}</a:tableStyleId>
+              </a:tblPr>
+              <a:tblGrid>
+                <a:gridCol w="1677483">
+                  <a:extLst>
+                    <a:ext uri="{9D8B030D-6E8A-4147-A177-3AD203B41FA5}">
+                      <a16:colId xmlns:a16="http://schemas.microsoft.com/office/drawing/2014/main" val="3768095223"/>
+                    </a:ext>
+                  </a:extLst>
+                </a:gridCol>
+                <a:gridCol w="1677483">
+                  <a:extLst>
+                    <a:ext uri="{9D8B030D-6E8A-4147-A177-3AD203B41FA5}">
+                      <a16:colId xmlns:a16="http://schemas.microsoft.com/office/drawing/2014/main" val="4280859242"/>
+                    </a:ext>
+                  </a:extLst>
+                </a:gridCol>
+              </a:tblGrid>
+              <a:tr h="0">
+                <a:tc>
+                  <a:txBody>
+                    <a:bodyPr/>
+                    <a:lstStyle/>
+                    <a:p>
+                      <a:r>
+                        <a:rPr lang="en-GB" dirty="0"/>
+                        <a:t>LAN3</a:t>
+                      </a:r>
+                    </a:p>
+                  </a:txBody>
+                  <a:tcPr/>
+                </a:tc>
+                <a:tc>
+                  <a:txBody>
+                    <a:bodyPr/>
+                    <a:lstStyle/>
+                    <a:p>
+                      <a:endParaRPr lang="en-GB" dirty="0"/>
+                    </a:p>
+                  </a:txBody>
+                  <a:tcPr/>
+                </a:tc>
+                <a:extLst>
+                  <a:ext uri="{0D108BD9-81ED-4DB2-BD59-A6C34878D82A}">
+                    <a16:rowId xmlns:a16="http://schemas.microsoft.com/office/drawing/2014/main" val="144949019"/>
+                  </a:ext>
+                </a:extLst>
+              </a:tr>
+              <a:tr h="394640">
+                <a:tc>
+                  <a:txBody>
+                    <a:bodyPr/>
+                    <a:lstStyle/>
+                    <a:p>
+                      <a:pPr marL="0" marR="0" lvl="0" indent="0" algn="l" defTabSz="914400" rtl="0" eaLnBrk="1" fontAlgn="auto" latinLnBrk="0" hangingPunct="1">
+                        <a:lnSpc>
+                          <a:spcPct val="100000"/>
+                        </a:lnSpc>
+                        <a:spcBef>
+                          <a:spcPts val="0"/>
+                        </a:spcBef>
+                        <a:spcAft>
+                          <a:spcPts val="0"/>
+                        </a:spcAft>
+                        <a:buClrTx/>
+                        <a:buSzTx/>
+                        <a:buFontTx/>
+                        <a:buNone/>
+                        <a:tabLst/>
+                        <a:defRPr/>
+                      </a:pPr>
+                      <a:r>
+                        <a:rPr lang="en-GB" dirty="0"/>
+                        <a:t>R1 Serial 0/1/0</a:t>
+                      </a:r>
+                    </a:p>
+                  </a:txBody>
+                  <a:tcPr/>
+                </a:tc>
+                <a:tc>
+                  <a:txBody>
+                    <a:bodyPr/>
+                    <a:lstStyle/>
+                    <a:p>
+                      <a:r>
+                        <a:rPr lang="en-GB" dirty="0"/>
+                        <a:t>10.0.0.1/30</a:t>
+                      </a:r>
+                    </a:p>
+                  </a:txBody>
+                  <a:tcPr/>
+                </a:tc>
+                <a:extLst>
+                  <a:ext uri="{0D108BD9-81ED-4DB2-BD59-A6C34878D82A}">
+                    <a16:rowId xmlns:a16="http://schemas.microsoft.com/office/drawing/2014/main" val="932443996"/>
+                  </a:ext>
+                </a:extLst>
+              </a:tr>
+              <a:tr h="394640">
+                <a:tc>
+                  <a:txBody>
+                    <a:bodyPr/>
+                    <a:lstStyle/>
+                    <a:p>
+                      <a:r>
+                        <a:rPr lang="en-GB" dirty="0"/>
+                        <a:t>R2 Serial 0/1/0</a:t>
+                      </a:r>
+                    </a:p>
+                  </a:txBody>
+                  <a:tcPr/>
+                </a:tc>
+                <a:tc>
+                  <a:txBody>
+                    <a:bodyPr/>
+                    <a:lstStyle/>
+                    <a:p>
+                      <a:r>
+                        <a:rPr lang="en-GB" dirty="0"/>
+                        <a:t>10.0.0.2/30</a:t>
+                      </a:r>
+                    </a:p>
+                  </a:txBody>
+                  <a:tcPr/>
+                </a:tc>
+                <a:extLst>
+                  <a:ext uri="{0D108BD9-81ED-4DB2-BD59-A6C34878D82A}">
+                    <a16:rowId xmlns:a16="http://schemas.microsoft.com/office/drawing/2014/main" val="1041878281"/>
+                  </a:ext>
+                </a:extLst>
+              </a:tr>
+            </a:tbl>
+          </a:graphicData>
+        </a:graphic>
+      </p:graphicFrame>
+      <p:graphicFrame>
+        <p:nvGraphicFramePr>
+          <p:cNvPr id="4" name="Table 4">
+            <a:extLst>
+              <a:ext uri="{FF2B5EF4-FFF2-40B4-BE49-F238E27FC236}">
+                <a16:creationId xmlns:a16="http://schemas.microsoft.com/office/drawing/2014/main" id="{A4B7F0A7-68E2-67B5-8020-0A88A41A3151}"/>
+              </a:ext>
+            </a:extLst>
+          </p:cNvPr>
+          <p:cNvGraphicFramePr>
+            <a:graphicFrameLocks noGrp="1"/>
+          </p:cNvGraphicFramePr>
+          <p:nvPr>
+            <p:extLst>
+              <p:ext uri="{D42A27DB-BD31-4B8C-83A1-F6EECF244321}">
+                <p14:modId xmlns:p14="http://schemas.microsoft.com/office/powerpoint/2010/main" val="480443060"/>
+              </p:ext>
+            </p:extLst>
+          </p:nvPr>
+        </p:nvGraphicFramePr>
+        <p:xfrm>
+          <a:off x="964035" y="3427216"/>
+          <a:ext cx="4044194" cy="1828800"/>
+        </p:xfrm>
+        <a:graphic>
+          <a:graphicData uri="http://schemas.openxmlformats.org/drawingml/2006/table">
+            <a:tbl>
+              <a:tblPr firstRow="1" bandRow="1">
+                <a:tableStyleId>{5C22544A-7EE6-4342-B048-85BDC9FD1C3A}</a:tableStyleId>
+              </a:tblPr>
+              <a:tblGrid>
+                <a:gridCol w="2022097">
+                  <a:extLst>
+                    <a:ext uri="{9D8B030D-6E8A-4147-A177-3AD203B41FA5}">
+                      <a16:colId xmlns:a16="http://schemas.microsoft.com/office/drawing/2014/main" val="3768095223"/>
+                    </a:ext>
+                  </a:extLst>
+                </a:gridCol>
+                <a:gridCol w="2022097">
+                  <a:extLst>
+                    <a:ext uri="{9D8B030D-6E8A-4147-A177-3AD203B41FA5}">
+                      <a16:colId xmlns:a16="http://schemas.microsoft.com/office/drawing/2014/main" val="4280859242"/>
+                    </a:ext>
+                  </a:extLst>
+                </a:gridCol>
+              </a:tblGrid>
+              <a:tr h="306849">
+                <a:tc>
+                  <a:txBody>
+                    <a:bodyPr/>
+                    <a:lstStyle/>
+                    <a:p>
+                      <a:r>
+                        <a:rPr lang="en-GB" dirty="0"/>
+                        <a:t>LAN1</a:t>
+                      </a:r>
+                    </a:p>
+                  </a:txBody>
+                  <a:tcPr/>
+                </a:tc>
+                <a:tc>
+                  <a:txBody>
+                    <a:bodyPr/>
+                    <a:lstStyle/>
+                    <a:p>
+                      <a:endParaRPr lang="en-GB" dirty="0"/>
+                    </a:p>
+                  </a:txBody>
+                  <a:tcPr/>
+                </a:tc>
+                <a:extLst>
+                  <a:ext uri="{0D108BD9-81ED-4DB2-BD59-A6C34878D82A}">
+                    <a16:rowId xmlns:a16="http://schemas.microsoft.com/office/drawing/2014/main" val="144949019"/>
+                  </a:ext>
+                </a:extLst>
+              </a:tr>
+              <a:tr h="306849">
+                <a:tc>
+                  <a:txBody>
+                    <a:bodyPr/>
+                    <a:lstStyle/>
+                    <a:p>
+                      <a:pPr marL="0" marR="0" lvl="0" indent="0" algn="l" defTabSz="914400" rtl="0" eaLnBrk="1" fontAlgn="auto" latinLnBrk="0" hangingPunct="1">
+                        <a:lnSpc>
+                          <a:spcPct val="100000"/>
+                        </a:lnSpc>
+                        <a:spcBef>
+                          <a:spcPts val="0"/>
+                        </a:spcBef>
+                        <a:spcAft>
+                          <a:spcPts val="0"/>
+                        </a:spcAft>
+                        <a:buClrTx/>
+                        <a:buSzTx/>
+                        <a:buFontTx/>
+                        <a:buNone/>
+                        <a:tabLst/>
+                        <a:defRPr/>
+                      </a:pPr>
+                      <a:r>
+                        <a:rPr lang="en-GB" dirty="0"/>
+                        <a:t>R1 Gig 0/0/0</a:t>
+                      </a:r>
+                    </a:p>
+                  </a:txBody>
+                  <a:tcPr/>
+                </a:tc>
+                <a:tc>
+                  <a:txBody>
+                    <a:bodyPr/>
+                    <a:lstStyle/>
+                    <a:p>
+                      <a:r>
+                        <a:rPr lang="en-GB" dirty="0"/>
+                        <a:t>192.168.1.1/24</a:t>
+                      </a:r>
+                    </a:p>
+                  </a:txBody>
+                  <a:tcPr/>
+                </a:tc>
+                <a:extLst>
+                  <a:ext uri="{0D108BD9-81ED-4DB2-BD59-A6C34878D82A}">
+                    <a16:rowId xmlns:a16="http://schemas.microsoft.com/office/drawing/2014/main" val="932443996"/>
+                  </a:ext>
+                </a:extLst>
+              </a:tr>
+              <a:tr h="306849">
+                <a:tc>
+                  <a:txBody>
+                    <a:bodyPr/>
+                    <a:lstStyle/>
+                    <a:p>
+                      <a:r>
+                        <a:rPr lang="en-GB" dirty="0"/>
+                        <a:t>SW1 SVI</a:t>
+                      </a:r>
+                    </a:p>
+                  </a:txBody>
+                  <a:tcPr/>
+                </a:tc>
+                <a:tc>
+                  <a:txBody>
+                    <a:bodyPr/>
+                    <a:lstStyle/>
+                    <a:p>
+                      <a:r>
+                        <a:rPr lang="en-GB" dirty="0"/>
+                        <a:t>192.168.1.2/24</a:t>
+                      </a:r>
+                    </a:p>
+                  </a:txBody>
+                  <a:tcPr/>
+                </a:tc>
+                <a:extLst>
+                  <a:ext uri="{0D108BD9-81ED-4DB2-BD59-A6C34878D82A}">
+                    <a16:rowId xmlns:a16="http://schemas.microsoft.com/office/drawing/2014/main" val="1041878281"/>
+                  </a:ext>
+                </a:extLst>
+              </a:tr>
+              <a:tr h="306849">
+                <a:tc>
+                  <a:txBody>
+                    <a:bodyPr/>
+                    <a:lstStyle/>
+                    <a:p>
+                      <a:r>
+                        <a:rPr lang="en-GB" dirty="0"/>
+                        <a:t>PC1</a:t>
+                      </a:r>
+                    </a:p>
+                  </a:txBody>
+                  <a:tcPr/>
+                </a:tc>
+                <a:tc>
+                  <a:txBody>
+                    <a:bodyPr/>
+                    <a:lstStyle/>
+                    <a:p>
+                      <a:r>
+                        <a:rPr lang="en-GB" dirty="0"/>
+                        <a:t>192.168.1.3/24</a:t>
+                      </a:r>
+                    </a:p>
+                  </a:txBody>
+                  <a:tcPr/>
+                </a:tc>
+                <a:extLst>
+                  <a:ext uri="{0D108BD9-81ED-4DB2-BD59-A6C34878D82A}">
+                    <a16:rowId xmlns:a16="http://schemas.microsoft.com/office/drawing/2014/main" val="1510705864"/>
+                  </a:ext>
+                </a:extLst>
+              </a:tr>
+              <a:tr h="306849">
+                <a:tc>
+                  <a:txBody>
+                    <a:bodyPr/>
+                    <a:lstStyle/>
+                    <a:p>
+                      <a:r>
+                        <a:rPr lang="en-GB" dirty="0" err="1"/>
+                        <a:t>AnsibleVM</a:t>
+                      </a:r>
+                      <a:r>
+                        <a:rPr lang="en-GB" dirty="0"/>
+                        <a:t> on PC1</a:t>
+                      </a:r>
+                    </a:p>
+                  </a:txBody>
+                  <a:tcPr/>
+                </a:tc>
+                <a:tc>
+                  <a:txBody>
+                    <a:bodyPr/>
+                    <a:lstStyle/>
+                    <a:p>
+                      <a:r>
+                        <a:rPr lang="en-GB" dirty="0"/>
+                        <a:t>192.168.1.4/24</a:t>
+                      </a:r>
+                    </a:p>
+                  </a:txBody>
+                  <a:tcPr/>
+                </a:tc>
+                <a:extLst>
+                  <a:ext uri="{0D108BD9-81ED-4DB2-BD59-A6C34878D82A}">
+                    <a16:rowId xmlns:a16="http://schemas.microsoft.com/office/drawing/2014/main" val="1544030979"/>
+                  </a:ext>
+                </a:extLst>
+              </a:tr>
+            </a:tbl>
+          </a:graphicData>
+        </a:graphic>
+      </p:graphicFrame>
+      <p:graphicFrame>
+        <p:nvGraphicFramePr>
+          <p:cNvPr id="6" name="Table 5">
+            <a:extLst>
+              <a:ext uri="{FF2B5EF4-FFF2-40B4-BE49-F238E27FC236}">
+                <a16:creationId xmlns:a16="http://schemas.microsoft.com/office/drawing/2014/main" id="{E9CCF40A-450D-79BF-2704-8097A9C4F262}"/>
+              </a:ext>
+            </a:extLst>
+          </p:cNvPr>
+          <p:cNvGraphicFramePr>
+            <a:graphicFrameLocks noGrp="1"/>
+          </p:cNvGraphicFramePr>
+          <p:nvPr>
+            <p:extLst>
+              <p:ext uri="{D42A27DB-BD31-4B8C-83A1-F6EECF244321}">
+                <p14:modId xmlns:p14="http://schemas.microsoft.com/office/powerpoint/2010/main" val="3755447808"/>
+              </p:ext>
+            </p:extLst>
+          </p:nvPr>
+        </p:nvGraphicFramePr>
+        <p:xfrm>
+          <a:off x="6809880" y="3427216"/>
+          <a:ext cx="4284910" cy="1549680"/>
+        </p:xfrm>
+        <a:graphic>
+          <a:graphicData uri="http://schemas.openxmlformats.org/drawingml/2006/table">
+            <a:tbl>
+              <a:tblPr firstRow="1" bandRow="1">
+                <a:tableStyleId>{5C22544A-7EE6-4342-B048-85BDC9FD1C3A}</a:tableStyleId>
+              </a:tblPr>
+              <a:tblGrid>
+                <a:gridCol w="2142455">
+                  <a:extLst>
+                    <a:ext uri="{9D8B030D-6E8A-4147-A177-3AD203B41FA5}">
+                      <a16:colId xmlns:a16="http://schemas.microsoft.com/office/drawing/2014/main" val="3768095223"/>
+                    </a:ext>
+                  </a:extLst>
+                </a:gridCol>
+                <a:gridCol w="2142455">
+                  <a:extLst>
+                    <a:ext uri="{9D8B030D-6E8A-4147-A177-3AD203B41FA5}">
+                      <a16:colId xmlns:a16="http://schemas.microsoft.com/office/drawing/2014/main" val="4280859242"/>
+                    </a:ext>
+                  </a:extLst>
+                </a:gridCol>
+              </a:tblGrid>
+              <a:tr h="0">
+                <a:tc>
+                  <a:txBody>
+                    <a:bodyPr/>
+                    <a:lstStyle/>
+                    <a:p>
+                      <a:r>
+                        <a:rPr lang="en-GB" dirty="0"/>
+                        <a:t>LAN2</a:t>
+                      </a:r>
+                    </a:p>
+                  </a:txBody>
+                  <a:tcPr/>
+                </a:tc>
+                <a:tc>
+                  <a:txBody>
+                    <a:bodyPr/>
+                    <a:lstStyle/>
+                    <a:p>
+                      <a:endParaRPr lang="en-GB" dirty="0"/>
+                    </a:p>
+                  </a:txBody>
+                  <a:tcPr/>
+                </a:tc>
+                <a:extLst>
+                  <a:ext uri="{0D108BD9-81ED-4DB2-BD59-A6C34878D82A}">
+                    <a16:rowId xmlns:a16="http://schemas.microsoft.com/office/drawing/2014/main" val="144949019"/>
+                  </a:ext>
+                </a:extLst>
+              </a:tr>
+              <a:tr h="394640">
+                <a:tc>
+                  <a:txBody>
+                    <a:bodyPr/>
+                    <a:lstStyle/>
+                    <a:p>
+                      <a:pPr marL="0" marR="0" lvl="0" indent="0" algn="l" defTabSz="914400" rtl="0" eaLnBrk="1" fontAlgn="auto" latinLnBrk="0" hangingPunct="1">
+                        <a:lnSpc>
+                          <a:spcPct val="100000"/>
+                        </a:lnSpc>
+                        <a:spcBef>
+                          <a:spcPts val="0"/>
+                        </a:spcBef>
+                        <a:spcAft>
+                          <a:spcPts val="0"/>
+                        </a:spcAft>
+                        <a:buClrTx/>
+                        <a:buSzTx/>
+                        <a:buFontTx/>
+                        <a:buNone/>
+                        <a:tabLst/>
+                        <a:defRPr/>
+                      </a:pPr>
+                      <a:r>
+                        <a:rPr lang="en-GB" dirty="0"/>
+                        <a:t>R2 Gig 0/0/0</a:t>
+                      </a:r>
+                    </a:p>
+                  </a:txBody>
+                  <a:tcPr/>
+                </a:tc>
+                <a:tc>
+                  <a:txBody>
+                    <a:bodyPr/>
+                    <a:lstStyle/>
+                    <a:p>
+                      <a:r>
+                        <a:rPr lang="en-GB" dirty="0"/>
+                        <a:t>192.168.100.1/24</a:t>
+                      </a:r>
+                    </a:p>
+                  </a:txBody>
+                  <a:tcPr/>
+                </a:tc>
+                <a:extLst>
+                  <a:ext uri="{0D108BD9-81ED-4DB2-BD59-A6C34878D82A}">
+                    <a16:rowId xmlns:a16="http://schemas.microsoft.com/office/drawing/2014/main" val="932443996"/>
+                  </a:ext>
+                </a:extLst>
+              </a:tr>
+              <a:tr h="394640">
+                <a:tc>
+                  <a:txBody>
+                    <a:bodyPr/>
+                    <a:lstStyle/>
+                    <a:p>
+                      <a:r>
+                        <a:rPr lang="en-GB" dirty="0"/>
+                        <a:t>SW2 SVI</a:t>
+                      </a:r>
+                    </a:p>
+                  </a:txBody>
+                  <a:tcPr/>
+                </a:tc>
+                <a:tc>
+                  <a:txBody>
+                    <a:bodyPr/>
+                    <a:lstStyle/>
+                    <a:p>
+                      <a:r>
+                        <a:rPr lang="en-GB" dirty="0"/>
+                        <a:t>192.168.100.2/24</a:t>
+                      </a:r>
+                    </a:p>
+                  </a:txBody>
+                  <a:tcPr/>
+                </a:tc>
+                <a:extLst>
+                  <a:ext uri="{0D108BD9-81ED-4DB2-BD59-A6C34878D82A}">
+                    <a16:rowId xmlns:a16="http://schemas.microsoft.com/office/drawing/2014/main" val="1041878281"/>
+                  </a:ext>
+                </a:extLst>
+              </a:tr>
+              <a:tr h="394640">
+                <a:tc>
+                  <a:txBody>
+                    <a:bodyPr/>
+                    <a:lstStyle/>
+                    <a:p>
+                      <a:r>
+                        <a:rPr lang="en-GB" dirty="0"/>
+                        <a:t>PC2</a:t>
+                      </a:r>
+                    </a:p>
+                  </a:txBody>
+                  <a:tcPr/>
+                </a:tc>
+                <a:tc>
+                  <a:txBody>
+                    <a:bodyPr/>
+                    <a:lstStyle/>
+                    <a:p>
+                      <a:r>
+                        <a:rPr lang="en-GB" dirty="0"/>
+                        <a:t>192.168.100.3/24</a:t>
+                      </a:r>
+                    </a:p>
+                  </a:txBody>
+                  <a:tcPr/>
+                </a:tc>
+                <a:extLst>
+                  <a:ext uri="{0D108BD9-81ED-4DB2-BD59-A6C34878D82A}">
+                    <a16:rowId xmlns:a16="http://schemas.microsoft.com/office/drawing/2014/main" val="1510705864"/>
+                  </a:ext>
+                </a:extLst>
+              </a:tr>
+            </a:tbl>
+          </a:graphicData>
+        </a:graphic>
+      </p:graphicFrame>
     </p:spTree>
     <p:extLst>
       <p:ext uri="{BB962C8B-B14F-4D97-AF65-F5344CB8AC3E}">

--- a/Presentation.pptx
+++ b/Presentation.pptx
@@ -10,6 +10,8 @@
     <p:sldId id="259" r:id="rId4"/>
     <p:sldId id="258" r:id="rId5"/>
     <p:sldId id="260" r:id="rId6"/>
+    <p:sldId id="261" r:id="rId7"/>
+    <p:sldId id="262" r:id="rId8"/>
   </p:sldIdLst>
   <p:sldSz cx="12192000" cy="6858000"/>
   <p:notesSz cx="6858000" cy="9144000"/>
@@ -119,7 +121,7 @@
 <file path=ppt/revisionInfo.xml><?xml version="1.0" encoding="utf-8"?>
 <p1510:revInfo xmlns:a="http://schemas.openxmlformats.org/drawingml/2006/main" xmlns:r="http://schemas.openxmlformats.org/officeDocument/2006/relationships" xmlns:p1510="http://schemas.microsoft.com/office/powerpoint/2015/10/main">
   <p1510:revLst>
-    <p1510:client id="{9644BDA9-B3F6-43CE-8DA9-3631164CC92E}" v="22" dt="2024-12-17T13:43:34.282"/>
+    <p1510:client id="{9644BDA9-B3F6-43CE-8DA9-3631164CC92E}" v="25" dt="2024-12-17T14:04:22.661"/>
   </p1510:revLst>
 </p1510:revInfo>
 </file>
@@ -129,10 +131,160 @@
   <pc:docChgLst>
     <pc:chgData name="Jon Morgan (2218940)" userId="3d056735-30a3-4fce-ba59-f5d79205b9f6" providerId="ADAL" clId="{9644BDA9-B3F6-43CE-8DA9-3631164CC92E}"/>
     <pc:docChg chg="undo custSel addSld delSld modSld">
-      <pc:chgData name="Jon Morgan (2218940)" userId="3d056735-30a3-4fce-ba59-f5d79205b9f6" providerId="ADAL" clId="{9644BDA9-B3F6-43CE-8DA9-3631164CC92E}" dt="2024-12-17T13:44:24.029" v="333" actId="2696"/>
+      <pc:chgData name="Jon Morgan (2218940)" userId="3d056735-30a3-4fce-ba59-f5d79205b9f6" providerId="ADAL" clId="{9644BDA9-B3F6-43CE-8DA9-3631164CC92E}" dt="2024-12-17T14:38:38.136" v="1584" actId="14100"/>
       <pc:docMkLst>
         <pc:docMk/>
       </pc:docMkLst>
+      <pc:sldChg chg="addSp modSp mod setBg">
+        <pc:chgData name="Jon Morgan (2218940)" userId="3d056735-30a3-4fce-ba59-f5d79205b9f6" providerId="ADAL" clId="{9644BDA9-B3F6-43CE-8DA9-3631164CC92E}" dt="2024-12-17T14:37:44.134" v="1574" actId="26606"/>
+        <pc:sldMkLst>
+          <pc:docMk/>
+          <pc:sldMk cId="3891402302" sldId="256"/>
+        </pc:sldMkLst>
+        <pc:spChg chg="mod">
+          <ac:chgData name="Jon Morgan (2218940)" userId="3d056735-30a3-4fce-ba59-f5d79205b9f6" providerId="ADAL" clId="{9644BDA9-B3F6-43CE-8DA9-3631164CC92E}" dt="2024-12-17T14:37:44.134" v="1574" actId="26606"/>
+          <ac:spMkLst>
+            <pc:docMk/>
+            <pc:sldMk cId="3891402302" sldId="256"/>
+            <ac:spMk id="2" creationId="{B58799C9-D699-81C2-D24B-0DA68F4933F9}"/>
+          </ac:spMkLst>
+        </pc:spChg>
+        <pc:spChg chg="mod">
+          <ac:chgData name="Jon Morgan (2218940)" userId="3d056735-30a3-4fce-ba59-f5d79205b9f6" providerId="ADAL" clId="{9644BDA9-B3F6-43CE-8DA9-3631164CC92E}" dt="2024-12-17T14:37:44.134" v="1574" actId="26606"/>
+          <ac:spMkLst>
+            <pc:docMk/>
+            <pc:sldMk cId="3891402302" sldId="256"/>
+            <ac:spMk id="3" creationId="{39E0743F-625A-B2DD-4270-A29290D7D518}"/>
+          </ac:spMkLst>
+        </pc:spChg>
+        <pc:spChg chg="add">
+          <ac:chgData name="Jon Morgan (2218940)" userId="3d056735-30a3-4fce-ba59-f5d79205b9f6" providerId="ADAL" clId="{9644BDA9-B3F6-43CE-8DA9-3631164CC92E}" dt="2024-12-17T14:37:44.134" v="1574" actId="26606"/>
+          <ac:spMkLst>
+            <pc:docMk/>
+            <pc:sldMk cId="3891402302" sldId="256"/>
+            <ac:spMk id="8" creationId="{934F1179-B481-4F9E-BCA3-AFB972070F83}"/>
+          </ac:spMkLst>
+        </pc:spChg>
+        <pc:spChg chg="add">
+          <ac:chgData name="Jon Morgan (2218940)" userId="3d056735-30a3-4fce-ba59-f5d79205b9f6" providerId="ADAL" clId="{9644BDA9-B3F6-43CE-8DA9-3631164CC92E}" dt="2024-12-17T14:37:44.134" v="1574" actId="26606"/>
+          <ac:spMkLst>
+            <pc:docMk/>
+            <pc:sldMk cId="3891402302" sldId="256"/>
+            <ac:spMk id="10" creationId="{827DC2C4-B485-428A-BF4A-472D2967F47F}"/>
+          </ac:spMkLst>
+        </pc:spChg>
+        <pc:spChg chg="add">
+          <ac:chgData name="Jon Morgan (2218940)" userId="3d056735-30a3-4fce-ba59-f5d79205b9f6" providerId="ADAL" clId="{9644BDA9-B3F6-43CE-8DA9-3631164CC92E}" dt="2024-12-17T14:37:44.134" v="1574" actId="26606"/>
+          <ac:spMkLst>
+            <pc:docMk/>
+            <pc:sldMk cId="3891402302" sldId="256"/>
+            <ac:spMk id="12" creationId="{EE04B5EB-F158-4507-90DD-BD23620C7CC9}"/>
+          </ac:spMkLst>
+        </pc:spChg>
+      </pc:sldChg>
+      <pc:sldChg chg="addSp delSp modSp mod setBg">
+        <pc:chgData name="Jon Morgan (2218940)" userId="3d056735-30a3-4fce-ba59-f5d79205b9f6" providerId="ADAL" clId="{9644BDA9-B3F6-43CE-8DA9-3631164CC92E}" dt="2024-12-17T14:38:38.136" v="1584" actId="14100"/>
+        <pc:sldMkLst>
+          <pc:docMk/>
+          <pc:sldMk cId="3124662253" sldId="258"/>
+        </pc:sldMkLst>
+        <pc:spChg chg="mod">
+          <ac:chgData name="Jon Morgan (2218940)" userId="3d056735-30a3-4fce-ba59-f5d79205b9f6" providerId="ADAL" clId="{9644BDA9-B3F6-43CE-8DA9-3631164CC92E}" dt="2024-12-17T14:38:04.014" v="1579" actId="26606"/>
+          <ac:spMkLst>
+            <pc:docMk/>
+            <pc:sldMk cId="3124662253" sldId="258"/>
+            <ac:spMk id="2" creationId="{15737CC6-B5B7-B945-7E81-59AD98FB860D}"/>
+          </ac:spMkLst>
+        </pc:spChg>
+        <pc:spChg chg="mod">
+          <ac:chgData name="Jon Morgan (2218940)" userId="3d056735-30a3-4fce-ba59-f5d79205b9f6" providerId="ADAL" clId="{9644BDA9-B3F6-43CE-8DA9-3631164CC92E}" dt="2024-12-17T14:38:38.136" v="1584" actId="14100"/>
+          <ac:spMkLst>
+            <pc:docMk/>
+            <pc:sldMk cId="3124662253" sldId="258"/>
+            <ac:spMk id="3" creationId="{E1F584C9-4022-2492-F492-70F72DAB4D26}"/>
+          </ac:spMkLst>
+        </pc:spChg>
+        <pc:spChg chg="add del">
+          <ac:chgData name="Jon Morgan (2218940)" userId="3d056735-30a3-4fce-ba59-f5d79205b9f6" providerId="ADAL" clId="{9644BDA9-B3F6-43CE-8DA9-3631164CC92E}" dt="2024-12-17T14:38:01.928" v="1576" actId="26606"/>
+          <ac:spMkLst>
+            <pc:docMk/>
+            <pc:sldMk cId="3124662253" sldId="258"/>
+            <ac:spMk id="8" creationId="{100EDD19-6802-4EC3-95CE-CFFAB042CFD6}"/>
+          </ac:spMkLst>
+        </pc:spChg>
+        <pc:spChg chg="add del">
+          <ac:chgData name="Jon Morgan (2218940)" userId="3d056735-30a3-4fce-ba59-f5d79205b9f6" providerId="ADAL" clId="{9644BDA9-B3F6-43CE-8DA9-3631164CC92E}" dt="2024-12-17T14:38:01.928" v="1576" actId="26606"/>
+          <ac:spMkLst>
+            <pc:docMk/>
+            <pc:sldMk cId="3124662253" sldId="258"/>
+            <ac:spMk id="10" creationId="{DB17E863-922E-4C26-BD64-E8FD41D28661}"/>
+          </ac:spMkLst>
+        </pc:spChg>
+        <pc:spChg chg="add del">
+          <ac:chgData name="Jon Morgan (2218940)" userId="3d056735-30a3-4fce-ba59-f5d79205b9f6" providerId="ADAL" clId="{9644BDA9-B3F6-43CE-8DA9-3631164CC92E}" dt="2024-12-17T14:38:04.007" v="1578" actId="26606"/>
+          <ac:spMkLst>
+            <pc:docMk/>
+            <pc:sldMk cId="3124662253" sldId="258"/>
+            <ac:spMk id="12" creationId="{5298780A-33B9-4EA2-8F67-DE68AD62841B}"/>
+          </ac:spMkLst>
+        </pc:spChg>
+        <pc:spChg chg="add del">
+          <ac:chgData name="Jon Morgan (2218940)" userId="3d056735-30a3-4fce-ba59-f5d79205b9f6" providerId="ADAL" clId="{9644BDA9-B3F6-43CE-8DA9-3631164CC92E}" dt="2024-12-17T14:38:04.007" v="1578" actId="26606"/>
+          <ac:spMkLst>
+            <pc:docMk/>
+            <pc:sldMk cId="3124662253" sldId="258"/>
+            <ac:spMk id="13" creationId="{081EA652-8C6A-4E69-BEB9-170809474553}"/>
+          </ac:spMkLst>
+        </pc:spChg>
+        <pc:spChg chg="add del">
+          <ac:chgData name="Jon Morgan (2218940)" userId="3d056735-30a3-4fce-ba59-f5d79205b9f6" providerId="ADAL" clId="{9644BDA9-B3F6-43CE-8DA9-3631164CC92E}" dt="2024-12-17T14:38:04.007" v="1578" actId="26606"/>
+          <ac:spMkLst>
+            <pc:docMk/>
+            <pc:sldMk cId="3124662253" sldId="258"/>
+            <ac:spMk id="14" creationId="{7F488E8B-4E1E-4402-8935-D4E6C02615C7}"/>
+          </ac:spMkLst>
+        </pc:spChg>
+        <pc:spChg chg="add del">
+          <ac:chgData name="Jon Morgan (2218940)" userId="3d056735-30a3-4fce-ba59-f5d79205b9f6" providerId="ADAL" clId="{9644BDA9-B3F6-43CE-8DA9-3631164CC92E}" dt="2024-12-17T14:38:04.007" v="1578" actId="26606"/>
+          <ac:spMkLst>
+            <pc:docMk/>
+            <pc:sldMk cId="3124662253" sldId="258"/>
+            <ac:spMk id="15" creationId="{A4026A73-1F7F-49F2-B319-8CA3B3D53269}"/>
+          </ac:spMkLst>
+        </pc:spChg>
+        <pc:spChg chg="add">
+          <ac:chgData name="Jon Morgan (2218940)" userId="3d056735-30a3-4fce-ba59-f5d79205b9f6" providerId="ADAL" clId="{9644BDA9-B3F6-43CE-8DA9-3631164CC92E}" dt="2024-12-17T14:38:04.014" v="1579" actId="26606"/>
+          <ac:spMkLst>
+            <pc:docMk/>
+            <pc:sldMk cId="3124662253" sldId="258"/>
+            <ac:spMk id="18" creationId="{907EF6B7-1338-4443-8C46-6A318D952DFD}"/>
+          </ac:spMkLst>
+        </pc:spChg>
+        <pc:spChg chg="add">
+          <ac:chgData name="Jon Morgan (2218940)" userId="3d056735-30a3-4fce-ba59-f5d79205b9f6" providerId="ADAL" clId="{9644BDA9-B3F6-43CE-8DA9-3631164CC92E}" dt="2024-12-17T14:38:04.014" v="1579" actId="26606"/>
+          <ac:spMkLst>
+            <pc:docMk/>
+            <pc:sldMk cId="3124662253" sldId="258"/>
+            <ac:spMk id="19" creationId="{DAAE4CDD-124C-4DCF-9584-B6033B545DD5}"/>
+          </ac:spMkLst>
+        </pc:spChg>
+        <pc:spChg chg="add">
+          <ac:chgData name="Jon Morgan (2218940)" userId="3d056735-30a3-4fce-ba59-f5d79205b9f6" providerId="ADAL" clId="{9644BDA9-B3F6-43CE-8DA9-3631164CC92E}" dt="2024-12-17T14:38:04.014" v="1579" actId="26606"/>
+          <ac:spMkLst>
+            <pc:docMk/>
+            <pc:sldMk cId="3124662253" sldId="258"/>
+            <ac:spMk id="20" creationId="{081E4A58-353D-44AE-B2FC-2A74E2E400F7}"/>
+          </ac:spMkLst>
+        </pc:spChg>
+        <pc:cxnChg chg="add del">
+          <ac:chgData name="Jon Morgan (2218940)" userId="3d056735-30a3-4fce-ba59-f5d79205b9f6" providerId="ADAL" clId="{9644BDA9-B3F6-43CE-8DA9-3631164CC92E}" dt="2024-12-17T14:38:04.007" v="1578" actId="26606"/>
+          <ac:cxnSpMkLst>
+            <pc:docMk/>
+            <pc:sldMk cId="3124662253" sldId="258"/>
+            <ac:cxnSpMk id="16" creationId="{23AAC9B5-8015-485C-ACF9-A750390E9A56}"/>
+          </ac:cxnSpMkLst>
+        </pc:cxnChg>
+      </pc:sldChg>
       <pc:sldChg chg="addSp modSp">
         <pc:chgData name="Jon Morgan (2218940)" userId="3d056735-30a3-4fce-ba59-f5d79205b9f6" providerId="ADAL" clId="{9644BDA9-B3F6-43CE-8DA9-3631164CC92E}" dt="2024-12-17T13:15:00.152" v="11"/>
         <pc:sldMkLst>
@@ -219,6 +371,157 @@
           </ac:picMkLst>
         </pc:picChg>
       </pc:sldChg>
+      <pc:sldChg chg="addSp delSp modSp new mod setBg">
+        <pc:chgData name="Jon Morgan (2218940)" userId="3d056735-30a3-4fce-ba59-f5d79205b9f6" providerId="ADAL" clId="{9644BDA9-B3F6-43CE-8DA9-3631164CC92E}" dt="2024-12-17T14:37:28.393" v="1573" actId="20577"/>
+        <pc:sldMkLst>
+          <pc:docMk/>
+          <pc:sldMk cId="687325667" sldId="261"/>
+        </pc:sldMkLst>
+        <pc:spChg chg="mod">
+          <ac:chgData name="Jon Morgan (2218940)" userId="3d056735-30a3-4fce-ba59-f5d79205b9f6" providerId="ADAL" clId="{9644BDA9-B3F6-43CE-8DA9-3631164CC92E}" dt="2024-12-17T14:36:12.297" v="1476" actId="26606"/>
+          <ac:spMkLst>
+            <pc:docMk/>
+            <pc:sldMk cId="687325667" sldId="261"/>
+            <ac:spMk id="2" creationId="{1662B15B-F6D1-AFFF-8AA9-EEAC6B634846}"/>
+          </ac:spMkLst>
+        </pc:spChg>
+        <pc:spChg chg="add del mod">
+          <ac:chgData name="Jon Morgan (2218940)" userId="3d056735-30a3-4fce-ba59-f5d79205b9f6" providerId="ADAL" clId="{9644BDA9-B3F6-43CE-8DA9-3631164CC92E}" dt="2024-12-17T14:36:12.297" v="1476" actId="26606"/>
+          <ac:spMkLst>
+            <pc:docMk/>
+            <pc:sldMk cId="687325667" sldId="261"/>
+            <ac:spMk id="3" creationId="{DA832991-C966-B000-3E07-CFBD0D780F92}"/>
+          </ac:spMkLst>
+        </pc:spChg>
+        <pc:spChg chg="add del">
+          <ac:chgData name="Jon Morgan (2218940)" userId="3d056735-30a3-4fce-ba59-f5d79205b9f6" providerId="ADAL" clId="{9644BDA9-B3F6-43CE-8DA9-3631164CC92E}" dt="2024-12-17T14:36:07.906" v="1473" actId="26606"/>
+          <ac:spMkLst>
+            <pc:docMk/>
+            <pc:sldMk cId="687325667" sldId="261"/>
+            <ac:spMk id="9" creationId="{0C541B88-1AE9-40C3-AFD5-967787C1979F}"/>
+          </ac:spMkLst>
+        </pc:spChg>
+        <pc:spChg chg="add del">
+          <ac:chgData name="Jon Morgan (2218940)" userId="3d056735-30a3-4fce-ba59-f5d79205b9f6" providerId="ADAL" clId="{9644BDA9-B3F6-43CE-8DA9-3631164CC92E}" dt="2024-12-17T14:36:07.906" v="1473" actId="26606"/>
+          <ac:spMkLst>
+            <pc:docMk/>
+            <pc:sldMk cId="687325667" sldId="261"/>
+            <ac:spMk id="11" creationId="{E5F17139-31EE-46AC-B04F-DBBD852DD6CB}"/>
+          </ac:spMkLst>
+        </pc:spChg>
+        <pc:spChg chg="add del">
+          <ac:chgData name="Jon Morgan (2218940)" userId="3d056735-30a3-4fce-ba59-f5d79205b9f6" providerId="ADAL" clId="{9644BDA9-B3F6-43CE-8DA9-3631164CC92E}" dt="2024-12-17T14:36:07.906" v="1473" actId="26606"/>
+          <ac:spMkLst>
+            <pc:docMk/>
+            <pc:sldMk cId="687325667" sldId="261"/>
+            <ac:spMk id="17" creationId="{89D16701-DA76-4F72-BB63-E2C3FFBDFE0F}"/>
+          </ac:spMkLst>
+        </pc:spChg>
+        <pc:spChg chg="add del">
+          <ac:chgData name="Jon Morgan (2218940)" userId="3d056735-30a3-4fce-ba59-f5d79205b9f6" providerId="ADAL" clId="{9644BDA9-B3F6-43CE-8DA9-3631164CC92E}" dt="2024-12-17T14:36:07.906" v="1473" actId="26606"/>
+          <ac:spMkLst>
+            <pc:docMk/>
+            <pc:sldMk cId="687325667" sldId="261"/>
+            <ac:spMk id="19" creationId="{1CC28BE1-9DC6-43FE-9582-39F091098D77}"/>
+          </ac:spMkLst>
+        </pc:spChg>
+        <pc:spChg chg="add del">
+          <ac:chgData name="Jon Morgan (2218940)" userId="3d056735-30a3-4fce-ba59-f5d79205b9f6" providerId="ADAL" clId="{9644BDA9-B3F6-43CE-8DA9-3631164CC92E}" dt="2024-12-17T14:36:12.287" v="1475" actId="26606"/>
+          <ac:spMkLst>
+            <pc:docMk/>
+            <pc:sldMk cId="687325667" sldId="261"/>
+            <ac:spMk id="36" creationId="{BACC6370-2D7E-4714-9D71-7542949D7D5D}"/>
+          </ac:spMkLst>
+        </pc:spChg>
+        <pc:spChg chg="add del">
+          <ac:chgData name="Jon Morgan (2218940)" userId="3d056735-30a3-4fce-ba59-f5d79205b9f6" providerId="ADAL" clId="{9644BDA9-B3F6-43CE-8DA9-3631164CC92E}" dt="2024-12-17T14:36:12.287" v="1475" actId="26606"/>
+          <ac:spMkLst>
+            <pc:docMk/>
+            <pc:sldMk cId="687325667" sldId="261"/>
+            <ac:spMk id="37" creationId="{F68B3F68-107C-434F-AA38-110D5EA91B85}"/>
+          </ac:spMkLst>
+        </pc:spChg>
+        <pc:spChg chg="add del">
+          <ac:chgData name="Jon Morgan (2218940)" userId="3d056735-30a3-4fce-ba59-f5d79205b9f6" providerId="ADAL" clId="{9644BDA9-B3F6-43CE-8DA9-3631164CC92E}" dt="2024-12-17T14:36:12.287" v="1475" actId="26606"/>
+          <ac:spMkLst>
+            <pc:docMk/>
+            <pc:sldMk cId="687325667" sldId="261"/>
+            <ac:spMk id="38" creationId="{AAD0DBB9-1A4B-4391-81D4-CB19F9AB918A}"/>
+          </ac:spMkLst>
+        </pc:spChg>
+        <pc:spChg chg="add del">
+          <ac:chgData name="Jon Morgan (2218940)" userId="3d056735-30a3-4fce-ba59-f5d79205b9f6" providerId="ADAL" clId="{9644BDA9-B3F6-43CE-8DA9-3631164CC92E}" dt="2024-12-17T14:36:12.287" v="1475" actId="26606"/>
+          <ac:spMkLst>
+            <pc:docMk/>
+            <pc:sldMk cId="687325667" sldId="261"/>
+            <ac:spMk id="39" creationId="{063BBA22-50EA-4C4D-BE05-F1CE4E63AA56}"/>
+          </ac:spMkLst>
+        </pc:spChg>
+        <pc:spChg chg="add">
+          <ac:chgData name="Jon Morgan (2218940)" userId="3d056735-30a3-4fce-ba59-f5d79205b9f6" providerId="ADAL" clId="{9644BDA9-B3F6-43CE-8DA9-3631164CC92E}" dt="2024-12-17T14:36:12.297" v="1476" actId="26606"/>
+          <ac:spMkLst>
+            <pc:docMk/>
+            <pc:sldMk cId="687325667" sldId="261"/>
+            <ac:spMk id="42" creationId="{2C61293E-6EBE-43EF-A52C-9BEBFD7679D4}"/>
+          </ac:spMkLst>
+        </pc:spChg>
+        <pc:spChg chg="add">
+          <ac:chgData name="Jon Morgan (2218940)" userId="3d056735-30a3-4fce-ba59-f5d79205b9f6" providerId="ADAL" clId="{9644BDA9-B3F6-43CE-8DA9-3631164CC92E}" dt="2024-12-17T14:36:12.297" v="1476" actId="26606"/>
+          <ac:spMkLst>
+            <pc:docMk/>
+            <pc:sldMk cId="687325667" sldId="261"/>
+            <ac:spMk id="44" creationId="{21540236-BFD5-4A9D-8840-4703E7F76825}"/>
+          </ac:spMkLst>
+        </pc:spChg>
+        <pc:spChg chg="add mod">
+          <ac:chgData name="Jon Morgan (2218940)" userId="3d056735-30a3-4fce-ba59-f5d79205b9f6" providerId="ADAL" clId="{9644BDA9-B3F6-43CE-8DA9-3631164CC92E}" dt="2024-12-17T14:37:28.393" v="1573" actId="20577"/>
+          <ac:spMkLst>
+            <pc:docMk/>
+            <pc:sldMk cId="687325667" sldId="261"/>
+            <ac:spMk id="45" creationId="{DA832991-C966-B000-3E07-CFBD0D780F92}"/>
+          </ac:spMkLst>
+        </pc:spChg>
+        <pc:grpChg chg="add del">
+          <ac:chgData name="Jon Morgan (2218940)" userId="3d056735-30a3-4fce-ba59-f5d79205b9f6" providerId="ADAL" clId="{9644BDA9-B3F6-43CE-8DA9-3631164CC92E}" dt="2024-12-17T14:36:07.906" v="1473" actId="26606"/>
+          <ac:grpSpMkLst>
+            <pc:docMk/>
+            <pc:sldMk cId="687325667" sldId="261"/>
+            <ac:grpSpMk id="13" creationId="{7CF625D3-71A3-4F30-A096-8EF334E959D0}"/>
+          </ac:grpSpMkLst>
+        </pc:grpChg>
+        <pc:grpChg chg="add del">
+          <ac:chgData name="Jon Morgan (2218940)" userId="3d056735-30a3-4fce-ba59-f5d79205b9f6" providerId="ADAL" clId="{9644BDA9-B3F6-43CE-8DA9-3631164CC92E}" dt="2024-12-17T14:36:07.906" v="1473" actId="26606"/>
+          <ac:grpSpMkLst>
+            <pc:docMk/>
+            <pc:sldMk cId="687325667" sldId="261"/>
+            <ac:grpSpMk id="21" creationId="{AF9AF3F3-CE0C-4125-BDD7-346487FA0B40}"/>
+          </ac:grpSpMkLst>
+        </pc:grpChg>
+        <pc:graphicFrameChg chg="add del">
+          <ac:chgData name="Jon Morgan (2218940)" userId="3d056735-30a3-4fce-ba59-f5d79205b9f6" providerId="ADAL" clId="{9644BDA9-B3F6-43CE-8DA9-3631164CC92E}" dt="2024-12-17T14:36:07.906" v="1473" actId="26606"/>
+          <ac:graphicFrameMkLst>
+            <pc:docMk/>
+            <pc:sldMk cId="687325667" sldId="261"/>
+            <ac:graphicFrameMk id="5" creationId="{73D83B8B-66AB-B6E8-2C73-789C2E1273F3}"/>
+          </ac:graphicFrameMkLst>
+        </pc:graphicFrameChg>
+        <pc:graphicFrameChg chg="add del">
+          <ac:chgData name="Jon Morgan (2218940)" userId="3d056735-30a3-4fce-ba59-f5d79205b9f6" providerId="ADAL" clId="{9644BDA9-B3F6-43CE-8DA9-3631164CC92E}" dt="2024-12-17T14:36:12.287" v="1475" actId="26606"/>
+          <ac:graphicFrameMkLst>
+            <pc:docMk/>
+            <pc:sldMk cId="687325667" sldId="261"/>
+            <ac:graphicFrameMk id="40" creationId="{A151E68A-7160-17A1-3DE5-878074B8167C}"/>
+          </ac:graphicFrameMkLst>
+        </pc:graphicFrameChg>
+        <pc:picChg chg="add">
+          <ac:chgData name="Jon Morgan (2218940)" userId="3d056735-30a3-4fce-ba59-f5d79205b9f6" providerId="ADAL" clId="{9644BDA9-B3F6-43CE-8DA9-3631164CC92E}" dt="2024-12-17T14:36:12.297" v="1476" actId="26606"/>
+          <ac:picMkLst>
+            <pc:docMk/>
+            <pc:sldMk cId="687325667" sldId="261"/>
+            <ac:picMk id="43" creationId="{470F299C-2A89-8C5F-13DB-EC42D589E52E}"/>
+          </ac:picMkLst>
+        </pc:picChg>
+      </pc:sldChg>
       <pc:sldChg chg="addSp delSp modSp new del mod">
         <pc:chgData name="Jon Morgan (2218940)" userId="3d056735-30a3-4fce-ba59-f5d79205b9f6" providerId="ADAL" clId="{9644BDA9-B3F6-43CE-8DA9-3631164CC92E}" dt="2024-12-17T13:44:24.029" v="333" actId="2696"/>
         <pc:sldMkLst>
@@ -265,6 +568,77 @@
             <ac:graphicFrameMk id="6" creationId="{6758C8CB-6E48-CAAD-6ADD-174A77FF7C22}"/>
           </ac:graphicFrameMkLst>
         </pc:graphicFrameChg>
+      </pc:sldChg>
+      <pc:sldChg chg="addSp delSp modSp new mod setBg">
+        <pc:chgData name="Jon Morgan (2218940)" userId="3d056735-30a3-4fce-ba59-f5d79205b9f6" providerId="ADAL" clId="{9644BDA9-B3F6-43CE-8DA9-3631164CC92E}" dt="2024-12-17T14:35:46.159" v="1471" actId="26606"/>
+        <pc:sldMkLst>
+          <pc:docMk/>
+          <pc:sldMk cId="422369634" sldId="262"/>
+        </pc:sldMkLst>
+        <pc:spChg chg="mod">
+          <ac:chgData name="Jon Morgan (2218940)" userId="3d056735-30a3-4fce-ba59-f5d79205b9f6" providerId="ADAL" clId="{9644BDA9-B3F6-43CE-8DA9-3631164CC92E}" dt="2024-12-17T14:35:46.159" v="1471" actId="26606"/>
+          <ac:spMkLst>
+            <pc:docMk/>
+            <pc:sldMk cId="422369634" sldId="262"/>
+            <ac:spMk id="2" creationId="{E0BD55B7-C908-9D25-7C34-DE102688A4B2}"/>
+          </ac:spMkLst>
+        </pc:spChg>
+        <pc:spChg chg="del">
+          <ac:chgData name="Jon Morgan (2218940)" userId="3d056735-30a3-4fce-ba59-f5d79205b9f6" providerId="ADAL" clId="{9644BDA9-B3F6-43CE-8DA9-3631164CC92E}" dt="2024-12-17T13:58:47.651" v="1176" actId="478"/>
+          <ac:spMkLst>
+            <pc:docMk/>
+            <pc:sldMk cId="422369634" sldId="262"/>
+            <ac:spMk id="3" creationId="{1AD7D8B8-FCF5-3005-F82F-8F74E77C04DD}"/>
+          </ac:spMkLst>
+        </pc:spChg>
+        <pc:spChg chg="add del mod">
+          <ac:chgData name="Jon Morgan (2218940)" userId="3d056735-30a3-4fce-ba59-f5d79205b9f6" providerId="ADAL" clId="{9644BDA9-B3F6-43CE-8DA9-3631164CC92E}" dt="2024-12-17T14:35:27.314" v="1466" actId="478"/>
+          <ac:spMkLst>
+            <pc:docMk/>
+            <pc:sldMk cId="422369634" sldId="262"/>
+            <ac:spMk id="4" creationId="{E8A983A5-5748-FABD-12DA-DBED68835905}"/>
+          </ac:spMkLst>
+        </pc:spChg>
+        <pc:spChg chg="add del mod">
+          <ac:chgData name="Jon Morgan (2218940)" userId="3d056735-30a3-4fce-ba59-f5d79205b9f6" providerId="ADAL" clId="{9644BDA9-B3F6-43CE-8DA9-3631164CC92E}" dt="2024-12-17T14:35:27.314" v="1466" actId="478"/>
+          <ac:spMkLst>
+            <pc:docMk/>
+            <pc:sldMk cId="422369634" sldId="262"/>
+            <ac:spMk id="5" creationId="{A4F0F7D7-181C-FF00-4B52-D91FE6D8A4D4}"/>
+          </ac:spMkLst>
+        </pc:spChg>
+        <pc:spChg chg="add del mod">
+          <ac:chgData name="Jon Morgan (2218940)" userId="3d056735-30a3-4fce-ba59-f5d79205b9f6" providerId="ADAL" clId="{9644BDA9-B3F6-43CE-8DA9-3631164CC92E}" dt="2024-12-17T14:04:26.808" v="1429" actId="478"/>
+          <ac:spMkLst>
+            <pc:docMk/>
+            <pc:sldMk cId="422369634" sldId="262"/>
+            <ac:spMk id="6" creationId="{CFEC8488-06A2-8D56-B66E-C503FD1D742F}"/>
+          </ac:spMkLst>
+        </pc:spChg>
+        <pc:spChg chg="add del mod">
+          <ac:chgData name="Jon Morgan (2218940)" userId="3d056735-30a3-4fce-ba59-f5d79205b9f6" providerId="ADAL" clId="{9644BDA9-B3F6-43CE-8DA9-3631164CC92E}" dt="2024-12-17T14:35:27.314" v="1466" actId="478"/>
+          <ac:spMkLst>
+            <pc:docMk/>
+            <pc:sldMk cId="422369634" sldId="262"/>
+            <ac:spMk id="7" creationId="{8070BC79-4852-5D02-88DE-280AB93AA2F9}"/>
+          </ac:spMkLst>
+        </pc:spChg>
+        <pc:spChg chg="add">
+          <ac:chgData name="Jon Morgan (2218940)" userId="3d056735-30a3-4fce-ba59-f5d79205b9f6" providerId="ADAL" clId="{9644BDA9-B3F6-43CE-8DA9-3631164CC92E}" dt="2024-12-17T14:35:46.159" v="1471" actId="26606"/>
+          <ac:spMkLst>
+            <pc:docMk/>
+            <pc:sldMk cId="422369634" sldId="262"/>
+            <ac:spMk id="14" creationId="{A4AC5506-6312-4701-8D3C-40187889A947}"/>
+          </ac:spMkLst>
+        </pc:spChg>
+        <pc:picChg chg="add mod">
+          <ac:chgData name="Jon Morgan (2218940)" userId="3d056735-30a3-4fce-ba59-f5d79205b9f6" providerId="ADAL" clId="{9644BDA9-B3F6-43CE-8DA9-3631164CC92E}" dt="2024-12-17T14:35:46.159" v="1471" actId="26606"/>
+          <ac:picMkLst>
+            <pc:docMk/>
+            <pc:sldMk cId="422369634" sldId="262"/>
+            <ac:picMk id="9" creationId="{06ED0A32-A345-4CC8-F827-B8EC209B5589}"/>
+          </ac:picMkLst>
+        </pc:picChg>
       </pc:sldChg>
     </pc:docChg>
   </pc:docChgLst>
@@ -6271,6 +6645,14 @@
 <file path=ppt/slides/slide1.xml><?xml version="1.0" encoding="utf-8"?>
 <p:sld xmlns:a="http://schemas.openxmlformats.org/drawingml/2006/main" xmlns:r="http://schemas.openxmlformats.org/officeDocument/2006/relationships" xmlns:p="http://schemas.openxmlformats.org/presentationml/2006/main">
   <p:cSld>
+    <p:bg>
+      <p:bgPr>
+        <a:solidFill>
+          <a:schemeClr val="bg1"/>
+        </a:solidFill>
+        <a:effectLst/>
+      </p:bgPr>
+    </p:bg>
     <p:spTree>
       <p:nvGrpSpPr>
         <p:cNvPr id="1" name=""/>
@@ -6285,6 +6667,195 @@
           <a:chExt cx="0" cy="0"/>
         </a:xfrm>
       </p:grpSpPr>
+      <p:sp useBgFill="1">
+        <p:nvSpPr>
+          <p:cNvPr id="8" name="Rectangle 7">
+            <a:extLst>
+              <a:ext uri="{FF2B5EF4-FFF2-40B4-BE49-F238E27FC236}">
+                <a16:creationId xmlns:a16="http://schemas.microsoft.com/office/drawing/2014/main" id="{934F1179-B481-4F9E-BCA3-AFB972070F83}"/>
+              </a:ext>
+              <a:ext uri="{C183D7F6-B498-43B3-948B-1728B52AA6E4}">
+                <adec:decorative xmlns:adec="http://schemas.microsoft.com/office/drawing/2017/decorative" val="1"/>
+              </a:ext>
+            </a:extLst>
+          </p:cNvPr>
+          <p:cNvSpPr>
+            <a:spLocks noGrp="1" noRot="1" noChangeAspect="1" noMove="1" noResize="1" noEditPoints="1" noAdjustHandles="1" noChangeArrowheads="1" noChangeShapeType="1" noTextEdit="1"/>
+          </p:cNvSpPr>
+          <p:nvPr>
+            <p:extLst>
+              <p:ext uri="{386F3935-93C4-4BCD-93E2-E3B085C9AB24}">
+                <p16:designElem xmlns:p16="http://schemas.microsoft.com/office/powerpoint/2015/main" val="1"/>
+              </p:ext>
+            </p:extLst>
+          </p:nvPr>
+        </p:nvSpPr>
+        <p:spPr>
+          <a:xfrm>
+            <a:off x="0" y="0"/>
+            <a:ext cx="12192000" cy="6858000"/>
+          </a:xfrm>
+          <a:prstGeom prst="rect">
+            <a:avLst/>
+          </a:prstGeom>
+          <a:ln>
+            <a:noFill/>
+          </a:ln>
+        </p:spPr>
+        <p:style>
+          <a:lnRef idx="2">
+            <a:schemeClr val="accent1">
+              <a:shade val="50000"/>
+            </a:schemeClr>
+          </a:lnRef>
+          <a:fillRef idx="1">
+            <a:schemeClr val="accent1"/>
+          </a:fillRef>
+          <a:effectRef idx="0">
+            <a:schemeClr val="accent1"/>
+          </a:effectRef>
+          <a:fontRef idx="minor">
+            <a:schemeClr val="lt1"/>
+          </a:fontRef>
+        </p:style>
+        <p:txBody>
+          <a:bodyPr rtlCol="0" anchor="ctr"/>
+          <a:lstStyle/>
+          <a:p>
+            <a:pPr algn="ctr"/>
+            <a:endParaRPr lang="en-US"/>
+          </a:p>
+        </p:txBody>
+      </p:sp>
+      <p:sp>
+        <p:nvSpPr>
+          <p:cNvPr id="10" name="Right Triangle 9">
+            <a:extLst>
+              <a:ext uri="{FF2B5EF4-FFF2-40B4-BE49-F238E27FC236}">
+                <a16:creationId xmlns:a16="http://schemas.microsoft.com/office/drawing/2014/main" id="{827DC2C4-B485-428A-BF4A-472D2967F47F}"/>
+              </a:ext>
+              <a:ext uri="{C183D7F6-B498-43B3-948B-1728B52AA6E4}">
+                <adec:decorative xmlns:adec="http://schemas.microsoft.com/office/drawing/2017/decorative" val="1"/>
+              </a:ext>
+            </a:extLst>
+          </p:cNvPr>
+          <p:cNvSpPr>
+            <a:spLocks noGrp="1" noRot="1" noChangeAspect="1" noMove="1" noResize="1" noEditPoints="1" noAdjustHandles="1" noChangeArrowheads="1" noChangeShapeType="1" noTextEdit="1"/>
+          </p:cNvSpPr>
+          <p:nvPr>
+            <p:extLst>
+              <p:ext uri="{386F3935-93C4-4BCD-93E2-E3B085C9AB24}">
+                <p16:designElem xmlns:p16="http://schemas.microsoft.com/office/powerpoint/2015/main" val="1"/>
+              </p:ext>
+            </p:extLst>
+          </p:nvPr>
+        </p:nvSpPr>
+        <p:spPr>
+          <a:xfrm flipH="1">
+            <a:off x="8576720" y="3335867"/>
+            <a:ext cx="3291840" cy="3200400"/>
+          </a:xfrm>
+          <a:prstGeom prst="rtTriangle">
+            <a:avLst/>
+          </a:prstGeom>
+          <a:solidFill>
+            <a:schemeClr val="accent4"/>
+          </a:solidFill>
+          <a:ln>
+            <a:noFill/>
+          </a:ln>
+        </p:spPr>
+        <p:style>
+          <a:lnRef idx="2">
+            <a:schemeClr val="accent1">
+              <a:shade val="50000"/>
+            </a:schemeClr>
+          </a:lnRef>
+          <a:fillRef idx="1">
+            <a:schemeClr val="accent1"/>
+          </a:fillRef>
+          <a:effectRef idx="0">
+            <a:schemeClr val="accent1"/>
+          </a:effectRef>
+          <a:fontRef idx="minor">
+            <a:schemeClr val="lt1"/>
+          </a:fontRef>
+        </p:style>
+        <p:txBody>
+          <a:bodyPr rtlCol="0" anchor="ctr"/>
+          <a:lstStyle/>
+          <a:p>
+            <a:pPr algn="ctr"/>
+            <a:endParaRPr lang="en-US" dirty="0"/>
+          </a:p>
+        </p:txBody>
+      </p:sp>
+      <p:sp>
+        <p:nvSpPr>
+          <p:cNvPr id="12" name="Rectangle 11">
+            <a:extLst>
+              <a:ext uri="{FF2B5EF4-FFF2-40B4-BE49-F238E27FC236}">
+                <a16:creationId xmlns:a16="http://schemas.microsoft.com/office/drawing/2014/main" id="{EE04B5EB-F158-4507-90DD-BD23620C7CC9}"/>
+              </a:ext>
+              <a:ext uri="{C183D7F6-B498-43B3-948B-1728B52AA6E4}">
+                <adec:decorative xmlns:adec="http://schemas.microsoft.com/office/drawing/2017/decorative" val="1"/>
+              </a:ext>
+            </a:extLst>
+          </p:cNvPr>
+          <p:cNvSpPr>
+            <a:spLocks noGrp="1" noRot="1" noChangeAspect="1" noMove="1" noResize="1" noEditPoints="1" noAdjustHandles="1" noChangeArrowheads="1" noChangeShapeType="1" noTextEdit="1"/>
+          </p:cNvSpPr>
+          <p:nvPr>
+            <p:extLst>
+              <p:ext uri="{386F3935-93C4-4BCD-93E2-E3B085C9AB24}">
+                <p16:designElem xmlns:p16="http://schemas.microsoft.com/office/powerpoint/2015/main" val="1"/>
+              </p:ext>
+            </p:extLst>
+          </p:nvPr>
+        </p:nvSpPr>
+        <p:spPr>
+          <a:xfrm>
+            <a:off x="641774" y="623275"/>
+            <a:ext cx="10905053" cy="5607882"/>
+          </a:xfrm>
+          <a:prstGeom prst="rect">
+            <a:avLst/>
+          </a:prstGeom>
+          <a:noFill/>
+          <a:ln w="19050">
+            <a:solidFill>
+              <a:schemeClr val="tx1">
+                <a:lumMod val="75000"/>
+                <a:lumOff val="25000"/>
+              </a:schemeClr>
+            </a:solidFill>
+          </a:ln>
+        </p:spPr>
+        <p:style>
+          <a:lnRef idx="2">
+            <a:schemeClr val="accent1">
+              <a:shade val="50000"/>
+            </a:schemeClr>
+          </a:lnRef>
+          <a:fillRef idx="1">
+            <a:schemeClr val="accent1"/>
+          </a:fillRef>
+          <a:effectRef idx="0">
+            <a:schemeClr val="accent1"/>
+          </a:effectRef>
+          <a:fontRef idx="minor">
+            <a:schemeClr val="lt1"/>
+          </a:fontRef>
+        </p:style>
+        <p:txBody>
+          <a:bodyPr rtlCol="0" anchor="ctr"/>
+          <a:lstStyle/>
+          <a:p>
+            <a:pPr algn="ctr"/>
+            <a:endParaRPr lang="en-US"/>
+          </a:p>
+        </p:txBody>
+      </p:sp>
       <p:sp>
         <p:nvSpPr>
           <p:cNvPr id="2" name="Title 1">
@@ -6301,13 +6872,21 @@
             <p:ph type="ctrTitle"/>
           </p:nvPr>
         </p:nvSpPr>
-        <p:spPr/>
+        <p:spPr>
+          <a:xfrm>
+            <a:off x="1285241" y="1008993"/>
+            <a:ext cx="9231410" cy="3542045"/>
+          </a:xfrm>
+        </p:spPr>
         <p:txBody>
-          <a:bodyPr/>
+          <a:bodyPr anchor="b">
+            <a:normAutofit/>
+          </a:bodyPr>
           <a:lstStyle/>
           <a:p>
+            <a:pPr algn="l"/>
             <a:r>
-              <a:rPr lang="en-GB" dirty="0"/>
+              <a:rPr lang="en-GB" sz="11500"/>
               <a:t>Assignment 2</a:t>
             </a:r>
           </a:p>
@@ -6329,17 +6908,24 @@
             <p:ph type="subTitle" idx="1"/>
           </p:nvPr>
         </p:nvSpPr>
-        <p:spPr/>
+        <p:spPr>
+          <a:xfrm>
+            <a:off x="1285241" y="4582814"/>
+            <a:ext cx="7132335" cy="1312657"/>
+          </a:xfrm>
+        </p:spPr>
         <p:txBody>
-          <a:bodyPr>
+          <a:bodyPr anchor="t">
             <a:normAutofit/>
           </a:bodyPr>
           <a:lstStyle/>
           <a:p>
+            <a:pPr algn="l"/>
             <a:r>
               <a:rPr lang="en-GB" dirty="0"/>
               <a:t>Task 1 - Implementation as a Group and Demonstrate</a:t>
             </a:r>
+            <a:endParaRPr lang="en-GB"/>
           </a:p>
         </p:txBody>
       </p:sp>
@@ -7453,6 +8039,14 @@
 <file path=ppt/slides/slide4.xml><?xml version="1.0" encoding="utf-8"?>
 <p:sld xmlns:a="http://schemas.openxmlformats.org/drawingml/2006/main" xmlns:r="http://schemas.openxmlformats.org/officeDocument/2006/relationships" xmlns:p="http://schemas.openxmlformats.org/presentationml/2006/main">
   <p:cSld>
+    <p:bg>
+      <p:bgPr>
+        <a:solidFill>
+          <a:schemeClr val="bg1"/>
+        </a:solidFill>
+        <a:effectLst/>
+      </p:bgPr>
+    </p:bg>
     <p:spTree>
       <p:nvGrpSpPr>
         <p:cNvPr id="1" name=""/>
@@ -7467,6 +8061,200 @@
           <a:chExt cx="0" cy="0"/>
         </a:xfrm>
       </p:grpSpPr>
+      <p:sp useBgFill="1">
+        <p:nvSpPr>
+          <p:cNvPr id="18" name="Rectangle 7">
+            <a:extLst>
+              <a:ext uri="{FF2B5EF4-FFF2-40B4-BE49-F238E27FC236}">
+                <a16:creationId xmlns:a16="http://schemas.microsoft.com/office/drawing/2014/main" id="{907EF6B7-1338-4443-8C46-6A318D952DFD}"/>
+              </a:ext>
+              <a:ext uri="{C183D7F6-B498-43B3-948B-1728B52AA6E4}">
+                <adec:decorative xmlns:adec="http://schemas.microsoft.com/office/drawing/2017/decorative" val="1"/>
+              </a:ext>
+            </a:extLst>
+          </p:cNvPr>
+          <p:cNvSpPr>
+            <a:spLocks noGrp="1" noRot="1" noChangeAspect="1" noMove="1" noResize="1" noEditPoints="1" noAdjustHandles="1" noChangeArrowheads="1" noChangeShapeType="1" noTextEdit="1"/>
+          </p:cNvSpPr>
+          <p:nvPr>
+            <p:extLst>
+              <p:ext uri="{386F3935-93C4-4BCD-93E2-E3B085C9AB24}">
+                <p16:designElem xmlns:p16="http://schemas.microsoft.com/office/powerpoint/2015/main" val="1"/>
+              </p:ext>
+            </p:extLst>
+          </p:nvPr>
+        </p:nvSpPr>
+        <p:spPr>
+          <a:xfrm>
+            <a:off x="3048" y="0"/>
+            <a:ext cx="12188952" cy="6858000"/>
+          </a:xfrm>
+          <a:prstGeom prst="rect">
+            <a:avLst/>
+          </a:prstGeom>
+          <a:ln>
+            <a:noFill/>
+          </a:ln>
+        </p:spPr>
+        <p:style>
+          <a:lnRef idx="2">
+            <a:schemeClr val="accent1">
+              <a:shade val="50000"/>
+            </a:schemeClr>
+          </a:lnRef>
+          <a:fillRef idx="1">
+            <a:schemeClr val="accent1"/>
+          </a:fillRef>
+          <a:effectRef idx="0">
+            <a:schemeClr val="accent1"/>
+          </a:effectRef>
+          <a:fontRef idx="minor">
+            <a:schemeClr val="lt1"/>
+          </a:fontRef>
+        </p:style>
+        <p:txBody>
+          <a:bodyPr rtlCol="0" anchor="ctr"/>
+          <a:lstStyle/>
+          <a:p>
+            <a:pPr algn="ctr"/>
+            <a:endParaRPr lang="en-US"/>
+          </a:p>
+        </p:txBody>
+      </p:sp>
+      <p:sp>
+        <p:nvSpPr>
+          <p:cNvPr id="19" name="Freeform: Shape 9">
+            <a:extLst>
+              <a:ext uri="{FF2B5EF4-FFF2-40B4-BE49-F238E27FC236}">
+                <a16:creationId xmlns:a16="http://schemas.microsoft.com/office/drawing/2014/main" id="{DAAE4CDD-124C-4DCF-9584-B6033B545DD5}"/>
+              </a:ext>
+              <a:ext uri="{C183D7F6-B498-43B3-948B-1728B52AA6E4}">
+                <adec:decorative xmlns:adec="http://schemas.microsoft.com/office/drawing/2017/decorative" val="1"/>
+              </a:ext>
+            </a:extLst>
+          </p:cNvPr>
+          <p:cNvSpPr>
+            <a:spLocks noGrp="1" noRot="1" noChangeAspect="1" noMove="1" noResize="1" noEditPoints="1" noAdjustHandles="1" noChangeArrowheads="1" noChangeShapeType="1" noTextEdit="1"/>
+          </p:cNvSpPr>
+          <p:nvPr>
+            <p:extLst>
+              <p:ext uri="{386F3935-93C4-4BCD-93E2-E3B085C9AB24}">
+                <p16:designElem xmlns:p16="http://schemas.microsoft.com/office/powerpoint/2015/main" val="1"/>
+              </p:ext>
+            </p:extLst>
+          </p:nvPr>
+        </p:nvSpPr>
+        <p:spPr>
+          <a:xfrm>
+            <a:off x="1" y="0"/>
+            <a:ext cx="4167271" cy="6858000"/>
+          </a:xfrm>
+          <a:custGeom>
+            <a:avLst/>
+            <a:gdLst>
+              <a:gd name="connsiteX0" fmla="*/ 0 w 4167271"/>
+              <a:gd name="connsiteY0" fmla="*/ 0 h 6858000"/>
+              <a:gd name="connsiteX1" fmla="*/ 2259550 w 4167271"/>
+              <a:gd name="connsiteY1" fmla="*/ 0 h 6858000"/>
+              <a:gd name="connsiteX2" fmla="*/ 2387803 w 4167271"/>
+              <a:gd name="connsiteY2" fmla="*/ 82222 h 6858000"/>
+              <a:gd name="connsiteX3" fmla="*/ 4167271 w 4167271"/>
+              <a:gd name="connsiteY3" fmla="*/ 3429000 h 6858000"/>
+              <a:gd name="connsiteX4" fmla="*/ 2387803 w 4167271"/>
+              <a:gd name="connsiteY4" fmla="*/ 6775779 h 6858000"/>
+              <a:gd name="connsiteX5" fmla="*/ 2259550 w 4167271"/>
+              <a:gd name="connsiteY5" fmla="*/ 6858000 h 6858000"/>
+              <a:gd name="connsiteX6" fmla="*/ 0 w 4167271"/>
+              <a:gd name="connsiteY6" fmla="*/ 6858000 h 6858000"/>
+            </a:gdLst>
+            <a:ahLst/>
+            <a:cxnLst>
+              <a:cxn ang="0">
+                <a:pos x="connsiteX0" y="connsiteY0"/>
+              </a:cxn>
+              <a:cxn ang="0">
+                <a:pos x="connsiteX1" y="connsiteY1"/>
+              </a:cxn>
+              <a:cxn ang="0">
+                <a:pos x="connsiteX2" y="connsiteY2"/>
+              </a:cxn>
+              <a:cxn ang="0">
+                <a:pos x="connsiteX3" y="connsiteY3"/>
+              </a:cxn>
+              <a:cxn ang="0">
+                <a:pos x="connsiteX4" y="connsiteY4"/>
+              </a:cxn>
+              <a:cxn ang="0">
+                <a:pos x="connsiteX5" y="connsiteY5"/>
+              </a:cxn>
+              <a:cxn ang="0">
+                <a:pos x="connsiteX6" y="connsiteY6"/>
+              </a:cxn>
+            </a:cxnLst>
+            <a:rect l="l" t="t" r="r" b="b"/>
+            <a:pathLst>
+              <a:path w="4167271" h="6858000">
+                <a:moveTo>
+                  <a:pt x="0" y="0"/>
+                </a:moveTo>
+                <a:lnTo>
+                  <a:pt x="2259550" y="0"/>
+                </a:lnTo>
+                <a:lnTo>
+                  <a:pt x="2387803" y="82222"/>
+                </a:lnTo>
+                <a:cubicBezTo>
+                  <a:pt x="3461407" y="807534"/>
+                  <a:pt x="4167271" y="2035835"/>
+                  <a:pt x="4167271" y="3429000"/>
+                </a:cubicBezTo>
+                <a:cubicBezTo>
+                  <a:pt x="4167271" y="4822165"/>
+                  <a:pt x="3461407" y="6050467"/>
+                  <a:pt x="2387803" y="6775779"/>
+                </a:cubicBezTo>
+                <a:lnTo>
+                  <a:pt x="2259550" y="6858000"/>
+                </a:lnTo>
+                <a:lnTo>
+                  <a:pt x="0" y="6858000"/>
+                </a:lnTo>
+                <a:close/>
+              </a:path>
+            </a:pathLst>
+          </a:custGeom>
+          <a:solidFill>
+            <a:schemeClr val="accent2"/>
+          </a:solidFill>
+          <a:ln>
+            <a:noFill/>
+          </a:ln>
+        </p:spPr>
+        <p:style>
+          <a:lnRef idx="2">
+            <a:schemeClr val="accent1">
+              <a:shade val="50000"/>
+            </a:schemeClr>
+          </a:lnRef>
+          <a:fillRef idx="1">
+            <a:schemeClr val="accent1"/>
+          </a:fillRef>
+          <a:effectRef idx="0">
+            <a:schemeClr val="accent1"/>
+          </a:effectRef>
+          <a:fontRef idx="minor">
+            <a:schemeClr val="lt1"/>
+          </a:fontRef>
+        </p:style>
+        <p:txBody>
+          <a:bodyPr rtlCol="0" anchor="ctr"/>
+          <a:lstStyle/>
+          <a:p>
+            <a:pPr algn="ctr"/>
+            <a:endParaRPr lang="en-US"/>
+          </a:p>
+        </p:txBody>
+      </p:sp>
       <p:sp>
         <p:nvSpPr>
           <p:cNvPr id="2" name="Title 1">
@@ -7483,15 +8271,87 @@
             <p:ph type="title"/>
           </p:nvPr>
         </p:nvSpPr>
-        <p:spPr/>
+        <p:spPr>
+          <a:xfrm>
+            <a:off x="686834" y="1153572"/>
+            <a:ext cx="3200400" cy="4461163"/>
+          </a:xfrm>
+        </p:spPr>
         <p:txBody>
-          <a:bodyPr/>
+          <a:bodyPr>
+            <a:normAutofit/>
+          </a:bodyPr>
           <a:lstStyle/>
           <a:p>
             <a:r>
-              <a:rPr lang="en-GB" dirty="0"/>
+              <a:rPr lang="en-GB">
+                <a:solidFill>
+                  <a:srgbClr val="FFFFFF"/>
+                </a:solidFill>
+              </a:rPr>
               <a:t>Planning</a:t>
             </a:r>
+          </a:p>
+        </p:txBody>
+      </p:sp>
+      <p:sp>
+        <p:nvSpPr>
+          <p:cNvPr id="20" name="Arc 11">
+            <a:extLst>
+              <a:ext uri="{FF2B5EF4-FFF2-40B4-BE49-F238E27FC236}">
+                <a16:creationId xmlns:a16="http://schemas.microsoft.com/office/drawing/2014/main" id="{081E4A58-353D-44AE-B2FC-2A74E2E400F7}"/>
+              </a:ext>
+              <a:ext uri="{C183D7F6-B498-43B3-948B-1728B52AA6E4}">
+                <adec:decorative xmlns:adec="http://schemas.microsoft.com/office/drawing/2017/decorative" val="1"/>
+              </a:ext>
+            </a:extLst>
+          </p:cNvPr>
+          <p:cNvSpPr>
+            <a:spLocks noGrp="1" noRot="1" noChangeAspect="1" noMove="1" noResize="1" noEditPoints="1" noAdjustHandles="1" noChangeArrowheads="1" noChangeShapeType="1" noTextEdit="1"/>
+          </p:cNvSpPr>
+          <p:nvPr>
+            <p:extLst>
+              <p:ext uri="{386F3935-93C4-4BCD-93E2-E3B085C9AB24}">
+                <p16:designElem xmlns:p16="http://schemas.microsoft.com/office/powerpoint/2015/main" val="1"/>
+              </p:ext>
+            </p:extLst>
+          </p:nvPr>
+        </p:nvSpPr>
+        <p:spPr>
+          <a:xfrm flipV="1">
+            <a:off x="7550402" y="2455479"/>
+            <a:ext cx="4083433" cy="4083433"/>
+          </a:xfrm>
+          <a:prstGeom prst="arc">
+            <a:avLst/>
+          </a:prstGeom>
+          <a:ln w="127000" cap="rnd">
+            <a:solidFill>
+              <a:schemeClr val="accent4"/>
+            </a:solidFill>
+            <a:prstDash val="dash"/>
+          </a:ln>
+        </p:spPr>
+        <p:style>
+          <a:lnRef idx="1">
+            <a:schemeClr val="accent1"/>
+          </a:lnRef>
+          <a:fillRef idx="0">
+            <a:schemeClr val="accent1"/>
+          </a:fillRef>
+          <a:effectRef idx="0">
+            <a:schemeClr val="accent1"/>
+          </a:effectRef>
+          <a:fontRef idx="minor">
+            <a:schemeClr val="tx1"/>
+          </a:fontRef>
+        </p:style>
+        <p:txBody>
+          <a:bodyPr rtlCol="0" anchor="ctr"/>
+          <a:lstStyle/>
+          <a:p>
+            <a:pPr algn="ctr"/>
+            <a:endParaRPr lang="en-US" dirty="0"/>
           </a:p>
         </p:txBody>
       </p:sp>
@@ -7511,40 +8371,64 @@
             <p:ph idx="1"/>
           </p:nvPr>
         </p:nvSpPr>
-        <p:spPr/>
+        <p:spPr>
+          <a:xfrm>
+            <a:off x="3732245" y="591345"/>
+            <a:ext cx="8266921" cy="5286942"/>
+          </a:xfrm>
+        </p:spPr>
         <p:txBody>
-          <a:bodyPr/>
+          <a:bodyPr anchor="ctr">
+            <a:normAutofit/>
+          </a:bodyPr>
           <a:lstStyle/>
           <a:p>
             <a:r>
-              <a:rPr lang="en-GB" dirty="0"/>
+              <a:rPr lang="en-GB" sz="2000" dirty="0"/>
               <a:t>Option 1 – Use tools to automate configuring network devices</a:t>
             </a:r>
           </a:p>
           <a:p>
             <a:r>
-              <a:rPr lang="en-GB" dirty="0"/>
+              <a:rPr lang="en-GB" sz="2000" dirty="0"/>
               <a:t>Reasons:</a:t>
             </a:r>
           </a:p>
           <a:p>
             <a:pPr lvl="1"/>
             <a:r>
-              <a:rPr lang="en-GB" dirty="0"/>
-              <a:t>We both preferred the idea of working with Cisco networking devices over writing a python </a:t>
+              <a:rPr lang="en-GB" sz="2000" dirty="0"/>
+              <a:t>We both preferred the idea of working with Cisco networking devices over writing a python app that used REST API’s</a:t>
             </a:r>
+          </a:p>
+          <a:p>
+            <a:pPr lvl="1"/>
             <a:r>
-              <a:rPr lang="en-GB"/>
-              <a:t>app that used REST API’s</a:t>
+              <a:rPr lang="en-GB" sz="2000" dirty="0"/>
+              <a:t>Using physical devices in the LAB – slightly trickier as can only work whilst ‘on-site’ but provides a more ‘realistic’ experience to learn from</a:t>
             </a:r>
           </a:p>
           <a:p>
             <a:pPr lvl="1"/>
-            <a:endParaRPr lang="en-GB" dirty="0"/>
+            <a:r>
+              <a:rPr lang="en-GB" sz="2000" dirty="0"/>
+              <a:t>Using Ansible as the primary tool to enable automation – it was the tool taught during lectures, but also seeing widespread real-world usage</a:t>
+            </a:r>
           </a:p>
           <a:p>
             <a:pPr lvl="1"/>
-            <a:endParaRPr lang="en-GB" dirty="0"/>
+            <a:r>
+              <a:rPr lang="en-GB" sz="2000" dirty="0"/>
+              <a:t>Automations to achieve would ideally be information gathering, security stance setting and routing protocol configuration</a:t>
+            </a:r>
+          </a:p>
+          <a:p>
+            <a:pPr lvl="1"/>
+            <a:endParaRPr lang="en-GB" sz="2000" dirty="0"/>
+          </a:p>
+          <a:p>
+            <a:pPr lvl="1"/>
+            <a:endParaRPr lang="en-GB" sz="2000" dirty="0"/>
           </a:p>
         </p:txBody>
       </p:sp>
@@ -8442,6 +9326,870 @@
     <p:extLst>
       <p:ext uri="{BB962C8B-B14F-4D97-AF65-F5344CB8AC3E}">
         <p14:creationId xmlns:p14="http://schemas.microsoft.com/office/powerpoint/2010/main" val="2075218565"/>
+      </p:ext>
+    </p:extLst>
+  </p:cSld>
+  <p:clrMapOvr>
+    <a:masterClrMapping/>
+  </p:clrMapOvr>
+</p:sld>
+</file>
+
+<file path=ppt/slides/slide6.xml><?xml version="1.0" encoding="utf-8"?>
+<p:sld xmlns:a="http://schemas.openxmlformats.org/drawingml/2006/main" xmlns:r="http://schemas.openxmlformats.org/officeDocument/2006/relationships" xmlns:p="http://schemas.openxmlformats.org/presentationml/2006/main">
+  <p:cSld>
+    <p:bg>
+      <p:bgPr>
+        <a:solidFill>
+          <a:schemeClr val="bg1"/>
+        </a:solidFill>
+        <a:effectLst/>
+      </p:bgPr>
+    </p:bg>
+    <p:spTree>
+      <p:nvGrpSpPr>
+        <p:cNvPr id="1" name=""/>
+        <p:cNvGrpSpPr/>
+        <p:nvPr/>
+      </p:nvGrpSpPr>
+      <p:grpSpPr>
+        <a:xfrm>
+          <a:off x="0" y="0"/>
+          <a:ext cx="0" cy="0"/>
+          <a:chOff x="0" y="0"/>
+          <a:chExt cx="0" cy="0"/>
+        </a:xfrm>
+      </p:grpSpPr>
+      <p:sp useBgFill="1">
+        <p:nvSpPr>
+          <p:cNvPr id="42" name="Rectangle 8">
+            <a:extLst>
+              <a:ext uri="{FF2B5EF4-FFF2-40B4-BE49-F238E27FC236}">
+                <a16:creationId xmlns:a16="http://schemas.microsoft.com/office/drawing/2014/main" id="{2C61293E-6EBE-43EF-A52C-9BEBFD7679D4}"/>
+              </a:ext>
+              <a:ext uri="{C183D7F6-B498-43B3-948B-1728B52AA6E4}">
+                <adec:decorative xmlns:adec="http://schemas.microsoft.com/office/drawing/2017/decorative" val="1"/>
+              </a:ext>
+            </a:extLst>
+          </p:cNvPr>
+          <p:cNvSpPr>
+            <a:spLocks noGrp="1" noRot="1" noChangeAspect="1" noMove="1" noResize="1" noEditPoints="1" noAdjustHandles="1" noChangeArrowheads="1" noChangeShapeType="1" noTextEdit="1"/>
+          </p:cNvSpPr>
+          <p:nvPr>
+            <p:extLst>
+              <p:ext uri="{386F3935-93C4-4BCD-93E2-E3B085C9AB24}">
+                <p16:designElem xmlns:p16="http://schemas.microsoft.com/office/powerpoint/2015/main" val="1"/>
+              </p:ext>
+            </p:extLst>
+          </p:nvPr>
+        </p:nvSpPr>
+        <p:spPr>
+          <a:xfrm>
+            <a:off x="0" y="0"/>
+            <a:ext cx="12188952" cy="6858000"/>
+          </a:xfrm>
+          <a:prstGeom prst="rect">
+            <a:avLst/>
+          </a:prstGeom>
+          <a:ln>
+            <a:noFill/>
+          </a:ln>
+        </p:spPr>
+        <p:style>
+          <a:lnRef idx="2">
+            <a:schemeClr val="accent1">
+              <a:shade val="50000"/>
+            </a:schemeClr>
+          </a:lnRef>
+          <a:fillRef idx="1">
+            <a:schemeClr val="accent1"/>
+          </a:fillRef>
+          <a:effectRef idx="0">
+            <a:schemeClr val="accent1"/>
+          </a:effectRef>
+          <a:fontRef idx="minor">
+            <a:schemeClr val="lt1"/>
+          </a:fontRef>
+        </p:style>
+        <p:txBody>
+          <a:bodyPr rtlCol="0" anchor="ctr"/>
+          <a:lstStyle/>
+          <a:p>
+            <a:pPr algn="ctr"/>
+            <a:endParaRPr lang="en-US"/>
+          </a:p>
+        </p:txBody>
+      </p:sp>
+      <p:sp>
+        <p:nvSpPr>
+          <p:cNvPr id="2" name="Title 1">
+            <a:extLst>
+              <a:ext uri="{FF2B5EF4-FFF2-40B4-BE49-F238E27FC236}">
+                <a16:creationId xmlns:a16="http://schemas.microsoft.com/office/drawing/2014/main" id="{1662B15B-F6D1-AFFF-8AA9-EEAC6B634846}"/>
+              </a:ext>
+            </a:extLst>
+          </p:cNvPr>
+          <p:cNvSpPr>
+            <a:spLocks noGrp="1"/>
+          </p:cNvSpPr>
+          <p:nvPr>
+            <p:ph type="title"/>
+          </p:nvPr>
+        </p:nvSpPr>
+        <p:spPr>
+          <a:xfrm>
+            <a:off x="5297762" y="329184"/>
+            <a:ext cx="6251110" cy="1783080"/>
+          </a:xfrm>
+        </p:spPr>
+        <p:txBody>
+          <a:bodyPr anchor="b">
+            <a:normAutofit/>
+          </a:bodyPr>
+          <a:lstStyle/>
+          <a:p>
+            <a:r>
+              <a:rPr lang="en-GB" sz="5400" dirty="0"/>
+              <a:t>Objectives</a:t>
+            </a:r>
+          </a:p>
+        </p:txBody>
+      </p:sp>
+      <p:pic>
+        <p:nvPicPr>
+          <p:cNvPr id="43" name="Picture 4" descr="Blue blocks and networks technology background">
+            <a:extLst>
+              <a:ext uri="{FF2B5EF4-FFF2-40B4-BE49-F238E27FC236}">
+                <a16:creationId xmlns:a16="http://schemas.microsoft.com/office/drawing/2014/main" id="{470F299C-2A89-8C5F-13DB-EC42D589E52E}"/>
+              </a:ext>
+            </a:extLst>
+          </p:cNvPr>
+          <p:cNvPicPr>
+            <a:picLocks noChangeAspect="1"/>
+          </p:cNvPicPr>
+          <p:nvPr/>
+        </p:nvPicPr>
+        <p:blipFill>
+          <a:blip r:embed="rId2"/>
+          <a:srcRect l="15445" r="46355" b="-446"/>
+          <a:stretch/>
+        </p:blipFill>
+        <p:spPr>
+          <a:xfrm>
+            <a:off x="1" y="10"/>
+            <a:ext cx="4657344" cy="6857990"/>
+          </a:xfrm>
+          <a:custGeom>
+            <a:avLst/>
+            <a:gdLst/>
+            <a:ahLst/>
+            <a:cxnLst/>
+            <a:rect l="l" t="t" r="r" b="b"/>
+            <a:pathLst>
+              <a:path w="4657344" h="6858000">
+                <a:moveTo>
+                  <a:pt x="0" y="0"/>
+                </a:moveTo>
+                <a:lnTo>
+                  <a:pt x="3429755" y="0"/>
+                </a:lnTo>
+                <a:lnTo>
+                  <a:pt x="3526016" y="148742"/>
+                </a:lnTo>
+                <a:cubicBezTo>
+                  <a:pt x="3657740" y="365513"/>
+                  <a:pt x="3777402" y="589569"/>
+                  <a:pt x="3886489" y="819975"/>
+                </a:cubicBezTo>
+                <a:cubicBezTo>
+                  <a:pt x="3891856" y="833492"/>
+                  <a:pt x="3900663" y="845393"/>
+                  <a:pt x="3912049" y="854514"/>
+                </a:cubicBezTo>
+                <a:cubicBezTo>
+                  <a:pt x="3897352" y="819849"/>
+                  <a:pt x="3883037" y="784928"/>
+                  <a:pt x="3868083" y="750263"/>
+                </a:cubicBezTo>
+                <a:cubicBezTo>
+                  <a:pt x="3806989" y="608712"/>
+                  <a:pt x="3742478" y="469145"/>
+                  <a:pt x="3674155" y="331786"/>
+                </a:cubicBezTo>
+                <a:lnTo>
+                  <a:pt x="3496656" y="0"/>
+                </a:lnTo>
+                <a:lnTo>
+                  <a:pt x="3554371" y="0"/>
+                </a:lnTo>
+                <a:lnTo>
+                  <a:pt x="3661621" y="196614"/>
+                </a:lnTo>
+                <a:cubicBezTo>
+                  <a:pt x="3856899" y="573253"/>
+                  <a:pt x="4021071" y="966066"/>
+                  <a:pt x="4161279" y="1371196"/>
+                </a:cubicBezTo>
+                <a:cubicBezTo>
+                  <a:pt x="4379525" y="2007265"/>
+                  <a:pt x="4530141" y="2664286"/>
+                  <a:pt x="4610660" y="3331516"/>
+                </a:cubicBezTo>
+                <a:cubicBezTo>
+                  <a:pt x="4652837" y="3672965"/>
+                  <a:pt x="4671625" y="4013908"/>
+                  <a:pt x="4645040" y="4357388"/>
+                </a:cubicBezTo>
+                <a:cubicBezTo>
+                  <a:pt x="4613599" y="4758899"/>
+                  <a:pt x="4566181" y="5157998"/>
+                  <a:pt x="4485789" y="5552906"/>
+                </a:cubicBezTo>
+                <a:cubicBezTo>
+                  <a:pt x="4397121" y="5988893"/>
+                  <a:pt x="4276748" y="6414594"/>
+                  <a:pt x="4117769" y="6828295"/>
+                </a:cubicBezTo>
+                <a:lnTo>
+                  <a:pt x="4105288" y="6858000"/>
+                </a:lnTo>
+                <a:lnTo>
+                  <a:pt x="4052520" y="6858000"/>
+                </a:lnTo>
+                <a:lnTo>
+                  <a:pt x="4059369" y="6841549"/>
+                </a:lnTo>
+                <a:cubicBezTo>
+                  <a:pt x="4147276" y="6614016"/>
+                  <a:pt x="4224193" y="6380817"/>
+                  <a:pt x="4291518" y="6142729"/>
+                </a:cubicBezTo>
+                <a:cubicBezTo>
+                  <a:pt x="4350055" y="5935370"/>
+                  <a:pt x="4393256" y="5723695"/>
+                  <a:pt x="4443357" y="5513923"/>
+                </a:cubicBezTo>
+                <a:cubicBezTo>
+                  <a:pt x="4444541" y="5502788"/>
+                  <a:pt x="4445137" y="5491601"/>
+                  <a:pt x="4445146" y="5480401"/>
+                </a:cubicBezTo>
+                <a:cubicBezTo>
+                  <a:pt x="4408465" y="5607635"/>
+                  <a:pt x="4379196" y="5719759"/>
+                  <a:pt x="4344559" y="5830359"/>
+                </a:cubicBezTo>
+                <a:cubicBezTo>
+                  <a:pt x="4254261" y="6118381"/>
+                  <a:pt x="4150112" y="6398531"/>
+                  <a:pt x="4031702" y="6670527"/>
+                </a:cubicBezTo>
+                <a:lnTo>
+                  <a:pt x="3943824" y="6858000"/>
+                </a:lnTo>
+                <a:lnTo>
+                  <a:pt x="0" y="6858000"/>
+                </a:lnTo>
+                <a:close/>
+              </a:path>
+            </a:pathLst>
+          </a:custGeom>
+        </p:spPr>
+      </p:pic>
+      <p:sp>
+        <p:nvSpPr>
+          <p:cNvPr id="44" name="sketchy line">
+            <a:extLst>
+              <a:ext uri="{FF2B5EF4-FFF2-40B4-BE49-F238E27FC236}">
+                <a16:creationId xmlns:a16="http://schemas.microsoft.com/office/drawing/2014/main" id="{21540236-BFD5-4A9D-8840-4703E7F76825}"/>
+              </a:ext>
+              <a:ext uri="{C183D7F6-B498-43B3-948B-1728B52AA6E4}">
+                <adec:decorative xmlns:adec="http://schemas.microsoft.com/office/drawing/2017/decorative" val="1"/>
+              </a:ext>
+            </a:extLst>
+          </p:cNvPr>
+          <p:cNvSpPr>
+            <a:spLocks noGrp="1" noRot="1" noChangeAspect="1" noMove="1" noResize="1" noEditPoints="1" noAdjustHandles="1" noChangeArrowheads="1" noChangeShapeType="1" noTextEdit="1"/>
+          </p:cNvSpPr>
+          <p:nvPr>
+            <p:extLst>
+              <p:ext uri="{386F3935-93C4-4BCD-93E2-E3B085C9AB24}">
+                <p16:designElem xmlns:p16="http://schemas.microsoft.com/office/powerpoint/2015/main" val="1"/>
+              </p:ext>
+            </p:extLst>
+          </p:nvPr>
+        </p:nvSpPr>
+        <p:spPr>
+          <a:xfrm>
+            <a:off x="5297762" y="2374947"/>
+            <a:ext cx="4243589" cy="18288"/>
+          </a:xfrm>
+          <a:custGeom>
+            <a:avLst/>
+            <a:gdLst>
+              <a:gd name="connsiteX0" fmla="*/ 0 w 4243589"/>
+              <a:gd name="connsiteY0" fmla="*/ 0 h 18288"/>
+              <a:gd name="connsiteX1" fmla="*/ 478919 w 4243589"/>
+              <a:gd name="connsiteY1" fmla="*/ 0 h 18288"/>
+              <a:gd name="connsiteX2" fmla="*/ 957839 w 4243589"/>
+              <a:gd name="connsiteY2" fmla="*/ 0 h 18288"/>
+              <a:gd name="connsiteX3" fmla="*/ 1521630 w 4243589"/>
+              <a:gd name="connsiteY3" fmla="*/ 0 h 18288"/>
+              <a:gd name="connsiteX4" fmla="*/ 2212729 w 4243589"/>
+              <a:gd name="connsiteY4" fmla="*/ 0 h 18288"/>
+              <a:gd name="connsiteX5" fmla="*/ 2734084 w 4243589"/>
+              <a:gd name="connsiteY5" fmla="*/ 0 h 18288"/>
+              <a:gd name="connsiteX6" fmla="*/ 3255439 w 4243589"/>
+              <a:gd name="connsiteY6" fmla="*/ 0 h 18288"/>
+              <a:gd name="connsiteX7" fmla="*/ 4243589 w 4243589"/>
+              <a:gd name="connsiteY7" fmla="*/ 0 h 18288"/>
+              <a:gd name="connsiteX8" fmla="*/ 4243589 w 4243589"/>
+              <a:gd name="connsiteY8" fmla="*/ 18288 h 18288"/>
+              <a:gd name="connsiteX9" fmla="*/ 3594926 w 4243589"/>
+              <a:gd name="connsiteY9" fmla="*/ 18288 h 18288"/>
+              <a:gd name="connsiteX10" fmla="*/ 3073571 w 4243589"/>
+              <a:gd name="connsiteY10" fmla="*/ 18288 h 18288"/>
+              <a:gd name="connsiteX11" fmla="*/ 2552216 w 4243589"/>
+              <a:gd name="connsiteY11" fmla="*/ 18288 h 18288"/>
+              <a:gd name="connsiteX12" fmla="*/ 1903553 w 4243589"/>
+              <a:gd name="connsiteY12" fmla="*/ 18288 h 18288"/>
+              <a:gd name="connsiteX13" fmla="*/ 1212454 w 4243589"/>
+              <a:gd name="connsiteY13" fmla="*/ 18288 h 18288"/>
+              <a:gd name="connsiteX14" fmla="*/ 733535 w 4243589"/>
+              <a:gd name="connsiteY14" fmla="*/ 18288 h 18288"/>
+              <a:gd name="connsiteX15" fmla="*/ 0 w 4243589"/>
+              <a:gd name="connsiteY15" fmla="*/ 18288 h 18288"/>
+              <a:gd name="connsiteX16" fmla="*/ 0 w 4243589"/>
+              <a:gd name="connsiteY16" fmla="*/ 0 h 18288"/>
+            </a:gdLst>
+            <a:ahLst/>
+            <a:cxnLst>
+              <a:cxn ang="0">
+                <a:pos x="connsiteX0" y="connsiteY0"/>
+              </a:cxn>
+              <a:cxn ang="0">
+                <a:pos x="connsiteX1" y="connsiteY1"/>
+              </a:cxn>
+              <a:cxn ang="0">
+                <a:pos x="connsiteX2" y="connsiteY2"/>
+              </a:cxn>
+              <a:cxn ang="0">
+                <a:pos x="connsiteX3" y="connsiteY3"/>
+              </a:cxn>
+              <a:cxn ang="0">
+                <a:pos x="connsiteX4" y="connsiteY4"/>
+              </a:cxn>
+              <a:cxn ang="0">
+                <a:pos x="connsiteX5" y="connsiteY5"/>
+              </a:cxn>
+              <a:cxn ang="0">
+                <a:pos x="connsiteX6" y="connsiteY6"/>
+              </a:cxn>
+              <a:cxn ang="0">
+                <a:pos x="connsiteX7" y="connsiteY7"/>
+              </a:cxn>
+              <a:cxn ang="0">
+                <a:pos x="connsiteX8" y="connsiteY8"/>
+              </a:cxn>
+              <a:cxn ang="0">
+                <a:pos x="connsiteX9" y="connsiteY9"/>
+              </a:cxn>
+              <a:cxn ang="0">
+                <a:pos x="connsiteX10" y="connsiteY10"/>
+              </a:cxn>
+              <a:cxn ang="0">
+                <a:pos x="connsiteX11" y="connsiteY11"/>
+              </a:cxn>
+              <a:cxn ang="0">
+                <a:pos x="connsiteX12" y="connsiteY12"/>
+              </a:cxn>
+              <a:cxn ang="0">
+                <a:pos x="connsiteX13" y="connsiteY13"/>
+              </a:cxn>
+              <a:cxn ang="0">
+                <a:pos x="connsiteX14" y="connsiteY14"/>
+              </a:cxn>
+              <a:cxn ang="0">
+                <a:pos x="connsiteX15" y="connsiteY15"/>
+              </a:cxn>
+              <a:cxn ang="0">
+                <a:pos x="connsiteX16" y="connsiteY16"/>
+              </a:cxn>
+            </a:cxnLst>
+            <a:rect l="l" t="t" r="r" b="b"/>
+            <a:pathLst>
+              <a:path w="4243589" h="18288" fill="none" extrusionOk="0">
+                <a:moveTo>
+                  <a:pt x="0" y="0"/>
+                </a:moveTo>
+                <a:cubicBezTo>
+                  <a:pt x="213395" y="-21006"/>
+                  <a:pt x="307421" y="-18116"/>
+                  <a:pt x="478919" y="0"/>
+                </a:cubicBezTo>
+                <a:cubicBezTo>
+                  <a:pt x="650417" y="18116"/>
+                  <a:pt x="831092" y="-21237"/>
+                  <a:pt x="957839" y="0"/>
+                </a:cubicBezTo>
+                <a:cubicBezTo>
+                  <a:pt x="1084586" y="21237"/>
+                  <a:pt x="1301682" y="25124"/>
+                  <a:pt x="1521630" y="0"/>
+                </a:cubicBezTo>
+                <a:cubicBezTo>
+                  <a:pt x="1741578" y="-25124"/>
+                  <a:pt x="1970269" y="-29139"/>
+                  <a:pt x="2212729" y="0"/>
+                </a:cubicBezTo>
+                <a:cubicBezTo>
+                  <a:pt x="2455189" y="29139"/>
+                  <a:pt x="2558847" y="-4796"/>
+                  <a:pt x="2734084" y="0"/>
+                </a:cubicBezTo>
+                <a:cubicBezTo>
+                  <a:pt x="2909321" y="4796"/>
+                  <a:pt x="3097217" y="-13409"/>
+                  <a:pt x="3255439" y="0"/>
+                </a:cubicBezTo>
+                <a:cubicBezTo>
+                  <a:pt x="3413662" y="13409"/>
+                  <a:pt x="3979999" y="-10121"/>
+                  <a:pt x="4243589" y="0"/>
+                </a:cubicBezTo>
+                <a:cubicBezTo>
+                  <a:pt x="4244484" y="8974"/>
+                  <a:pt x="4243043" y="9359"/>
+                  <a:pt x="4243589" y="18288"/>
+                </a:cubicBezTo>
+                <a:cubicBezTo>
+                  <a:pt x="4058777" y="31246"/>
+                  <a:pt x="3910348" y="3158"/>
+                  <a:pt x="3594926" y="18288"/>
+                </a:cubicBezTo>
+                <a:cubicBezTo>
+                  <a:pt x="3279504" y="33418"/>
+                  <a:pt x="3319955" y="-3977"/>
+                  <a:pt x="3073571" y="18288"/>
+                </a:cubicBezTo>
+                <a:cubicBezTo>
+                  <a:pt x="2827187" y="40553"/>
+                  <a:pt x="2767387" y="1863"/>
+                  <a:pt x="2552216" y="18288"/>
+                </a:cubicBezTo>
+                <a:cubicBezTo>
+                  <a:pt x="2337046" y="34713"/>
+                  <a:pt x="2181871" y="19527"/>
+                  <a:pt x="1903553" y="18288"/>
+                </a:cubicBezTo>
+                <a:cubicBezTo>
+                  <a:pt x="1625235" y="17049"/>
+                  <a:pt x="1557672" y="24174"/>
+                  <a:pt x="1212454" y="18288"/>
+                </a:cubicBezTo>
+                <a:cubicBezTo>
+                  <a:pt x="867236" y="12402"/>
+                  <a:pt x="874382" y="15627"/>
+                  <a:pt x="733535" y="18288"/>
+                </a:cubicBezTo>
+                <a:cubicBezTo>
+                  <a:pt x="592688" y="20949"/>
+                  <a:pt x="183477" y="14753"/>
+                  <a:pt x="0" y="18288"/>
+                </a:cubicBezTo>
+                <a:cubicBezTo>
+                  <a:pt x="-229" y="14222"/>
+                  <a:pt x="509" y="5816"/>
+                  <a:pt x="0" y="0"/>
+                </a:cubicBezTo>
+                <a:close/>
+              </a:path>
+              <a:path w="4243589" h="18288" stroke="0" extrusionOk="0">
+                <a:moveTo>
+                  <a:pt x="0" y="0"/>
+                </a:moveTo>
+                <a:cubicBezTo>
+                  <a:pt x="143690" y="16630"/>
+                  <a:pt x="266667" y="14847"/>
+                  <a:pt x="521355" y="0"/>
+                </a:cubicBezTo>
+                <a:cubicBezTo>
+                  <a:pt x="776043" y="-14847"/>
+                  <a:pt x="814491" y="-17363"/>
+                  <a:pt x="1000275" y="0"/>
+                </a:cubicBezTo>
+                <a:cubicBezTo>
+                  <a:pt x="1186059" y="17363"/>
+                  <a:pt x="1352504" y="-23507"/>
+                  <a:pt x="1521630" y="0"/>
+                </a:cubicBezTo>
+                <a:cubicBezTo>
+                  <a:pt x="1690756" y="23507"/>
+                  <a:pt x="1889525" y="5871"/>
+                  <a:pt x="2127857" y="0"/>
+                </a:cubicBezTo>
+                <a:cubicBezTo>
+                  <a:pt x="2366189" y="-5871"/>
+                  <a:pt x="2620628" y="-27997"/>
+                  <a:pt x="2776520" y="0"/>
+                </a:cubicBezTo>
+                <a:cubicBezTo>
+                  <a:pt x="2932412" y="27997"/>
+                  <a:pt x="3131683" y="-25073"/>
+                  <a:pt x="3467618" y="0"/>
+                </a:cubicBezTo>
+                <a:cubicBezTo>
+                  <a:pt x="3803553" y="25073"/>
+                  <a:pt x="4017371" y="3071"/>
+                  <a:pt x="4243589" y="0"/>
+                </a:cubicBezTo>
+                <a:cubicBezTo>
+                  <a:pt x="4243134" y="6162"/>
+                  <a:pt x="4243492" y="11775"/>
+                  <a:pt x="4243589" y="18288"/>
+                </a:cubicBezTo>
+                <a:cubicBezTo>
+                  <a:pt x="4017834" y="-5779"/>
+                  <a:pt x="3834586" y="13376"/>
+                  <a:pt x="3594926" y="18288"/>
+                </a:cubicBezTo>
+                <a:cubicBezTo>
+                  <a:pt x="3355266" y="23200"/>
+                  <a:pt x="3204179" y="2869"/>
+                  <a:pt x="2903827" y="18288"/>
+                </a:cubicBezTo>
+                <a:cubicBezTo>
+                  <a:pt x="2603475" y="33707"/>
+                  <a:pt x="2526187" y="46187"/>
+                  <a:pt x="2212729" y="18288"/>
+                </a:cubicBezTo>
+                <a:cubicBezTo>
+                  <a:pt x="1899271" y="-9611"/>
+                  <a:pt x="1966289" y="29692"/>
+                  <a:pt x="1733809" y="18288"/>
+                </a:cubicBezTo>
+                <a:cubicBezTo>
+                  <a:pt x="1501329" y="6884"/>
+                  <a:pt x="1343612" y="12492"/>
+                  <a:pt x="1085146" y="18288"/>
+                </a:cubicBezTo>
+                <a:cubicBezTo>
+                  <a:pt x="826680" y="24084"/>
+                  <a:pt x="778184" y="35607"/>
+                  <a:pt x="521355" y="18288"/>
+                </a:cubicBezTo>
+                <a:cubicBezTo>
+                  <a:pt x="264526" y="969"/>
+                  <a:pt x="120277" y="4268"/>
+                  <a:pt x="0" y="18288"/>
+                </a:cubicBezTo>
+                <a:cubicBezTo>
+                  <a:pt x="766" y="10800"/>
+                  <a:pt x="-457" y="8180"/>
+                  <a:pt x="0" y="0"/>
+                </a:cubicBezTo>
+                <a:close/>
+              </a:path>
+            </a:pathLst>
+          </a:custGeom>
+          <a:solidFill>
+            <a:schemeClr val="accent2"/>
+          </a:solidFill>
+          <a:ln w="44450" cap="rnd">
+            <a:solidFill>
+              <a:schemeClr val="accent2"/>
+            </a:solidFill>
+            <a:round/>
+            <a:extLst>
+              <a:ext uri="{C807C97D-BFC1-408E-A445-0C87EB9F89A2}">
+                <ask:lineSketchStyleProps xmlns:ask="http://schemas.microsoft.com/office/drawing/2018/sketchyshapes" sd="2727557108">
+                  <a:prstGeom prst="rect">
+                    <a:avLst/>
+                  </a:prstGeom>
+                  <ask:type>
+                    <ask:lineSketchFreehand/>
+                  </ask:type>
+                </ask:lineSketchStyleProps>
+              </a:ext>
+            </a:extLst>
+          </a:ln>
+        </p:spPr>
+        <p:style>
+          <a:lnRef idx="2">
+            <a:schemeClr val="accent1">
+              <a:shade val="50000"/>
+            </a:schemeClr>
+          </a:lnRef>
+          <a:fillRef idx="1">
+            <a:schemeClr val="accent1"/>
+          </a:fillRef>
+          <a:effectRef idx="0">
+            <a:schemeClr val="accent1"/>
+          </a:effectRef>
+          <a:fontRef idx="minor">
+            <a:schemeClr val="lt1"/>
+          </a:fontRef>
+        </p:style>
+        <p:txBody>
+          <a:bodyPr rtlCol="0" anchor="ctr"/>
+          <a:lstStyle/>
+          <a:p>
+            <a:pPr algn="ctr"/>
+            <a:endParaRPr lang="en-US"/>
+          </a:p>
+        </p:txBody>
+      </p:sp>
+      <p:sp>
+        <p:nvSpPr>
+          <p:cNvPr id="45" name="Content Placeholder 2">
+            <a:extLst>
+              <a:ext uri="{FF2B5EF4-FFF2-40B4-BE49-F238E27FC236}">
+                <a16:creationId xmlns:a16="http://schemas.microsoft.com/office/drawing/2014/main" id="{DA832991-C966-B000-3E07-CFBD0D780F92}"/>
+              </a:ext>
+            </a:extLst>
+          </p:cNvPr>
+          <p:cNvSpPr>
+            <a:spLocks noGrp="1"/>
+          </p:cNvSpPr>
+          <p:nvPr>
+            <p:ph idx="1"/>
+          </p:nvPr>
+        </p:nvSpPr>
+        <p:spPr>
+          <a:xfrm>
+            <a:off x="5297762" y="2706624"/>
+            <a:ext cx="6251110" cy="3483864"/>
+          </a:xfrm>
+        </p:spPr>
+        <p:txBody>
+          <a:bodyPr>
+            <a:normAutofit/>
+          </a:bodyPr>
+          <a:lstStyle/>
+          <a:p>
+            <a:r>
+              <a:rPr lang="en-GB" sz="2200" dirty="0"/>
+              <a:t>Build basic IP networking setup with 7 devices and routing</a:t>
+            </a:r>
+          </a:p>
+          <a:p>
+            <a:r>
+              <a:rPr lang="en-GB" sz="2200" dirty="0"/>
+              <a:t>Configure working SSH on Cisco devices</a:t>
+            </a:r>
+          </a:p>
+          <a:p>
+            <a:r>
+              <a:rPr lang="en-GB" sz="2200" dirty="0"/>
+              <a:t>Build Linux VM with working Ansible install</a:t>
+            </a:r>
+          </a:p>
+          <a:p>
+            <a:r>
+              <a:rPr lang="en-GB" sz="2200" dirty="0"/>
+              <a:t>Ansible working via SSH to the 4 Cisco networking devices</a:t>
+            </a:r>
+          </a:p>
+          <a:p>
+            <a:r>
+              <a:rPr lang="en-GB" sz="2200" dirty="0"/>
+              <a:t>Ansible runs ‘Playbooks’ to automate further configuration of the 4 Cisco networking devices</a:t>
+            </a:r>
+          </a:p>
+          <a:p>
+            <a:r>
+              <a:rPr lang="en-GB" sz="2200" dirty="0"/>
+              <a:t>Deliver demonstration – 7</a:t>
+            </a:r>
+            <a:r>
+              <a:rPr lang="en-GB" sz="2200" baseline="30000" dirty="0"/>
+              <a:t>th</a:t>
+            </a:r>
+            <a:r>
+              <a:rPr lang="en-GB" sz="2200" dirty="0"/>
+              <a:t> January 2025</a:t>
+            </a:r>
+          </a:p>
+        </p:txBody>
+      </p:sp>
+    </p:spTree>
+    <p:extLst>
+      <p:ext uri="{BB962C8B-B14F-4D97-AF65-F5344CB8AC3E}">
+        <p14:creationId xmlns:p14="http://schemas.microsoft.com/office/powerpoint/2010/main" val="687325667"/>
+      </p:ext>
+    </p:extLst>
+  </p:cSld>
+  <p:clrMapOvr>
+    <a:masterClrMapping/>
+  </p:clrMapOvr>
+</p:sld>
+</file>
+
+<file path=ppt/slides/slide7.xml><?xml version="1.0" encoding="utf-8"?>
+<p:sld xmlns:a="http://schemas.openxmlformats.org/drawingml/2006/main" xmlns:r="http://schemas.openxmlformats.org/officeDocument/2006/relationships" xmlns:p="http://schemas.openxmlformats.org/presentationml/2006/main">
+  <p:cSld>
+    <p:bg>
+      <p:bgPr>
+        <a:solidFill>
+          <a:schemeClr val="bg1"/>
+        </a:solidFill>
+        <a:effectLst/>
+      </p:bgPr>
+    </p:bg>
+    <p:spTree>
+      <p:nvGrpSpPr>
+        <p:cNvPr id="1" name=""/>
+        <p:cNvGrpSpPr/>
+        <p:nvPr/>
+      </p:nvGrpSpPr>
+      <p:grpSpPr>
+        <a:xfrm>
+          <a:off x="0" y="0"/>
+          <a:ext cx="0" cy="0"/>
+          <a:chOff x="0" y="0"/>
+          <a:chExt cx="0" cy="0"/>
+        </a:xfrm>
+      </p:grpSpPr>
+      <p:sp>
+        <p:nvSpPr>
+          <p:cNvPr id="14" name="Rectangle 13">
+            <a:extLst>
+              <a:ext uri="{FF2B5EF4-FFF2-40B4-BE49-F238E27FC236}">
+                <a16:creationId xmlns:a16="http://schemas.microsoft.com/office/drawing/2014/main" id="{A4AC5506-6312-4701-8D3C-40187889A947}"/>
+              </a:ext>
+              <a:ext uri="{C183D7F6-B498-43B3-948B-1728B52AA6E4}">
+                <adec:decorative xmlns:adec="http://schemas.microsoft.com/office/drawing/2017/decorative" val="1"/>
+              </a:ext>
+            </a:extLst>
+          </p:cNvPr>
+          <p:cNvSpPr>
+            <a:spLocks noGrp="1" noRot="1" noChangeAspect="1" noMove="1" noResize="1" noEditPoints="1" noAdjustHandles="1" noChangeArrowheads="1" noChangeShapeType="1" noTextEdit="1"/>
+          </p:cNvSpPr>
+          <p:nvPr>
+            <p:extLst>
+              <p:ext uri="{386F3935-93C4-4BCD-93E2-E3B085C9AB24}">
+                <p16:designElem xmlns:p16="http://schemas.microsoft.com/office/powerpoint/2015/main" val="1"/>
+              </p:ext>
+            </p:extLst>
+          </p:nvPr>
+        </p:nvSpPr>
+        <p:spPr>
+          <a:xfrm>
+            <a:off x="0" y="651752"/>
+            <a:ext cx="12192000" cy="736551"/>
+          </a:xfrm>
+          <a:prstGeom prst="rect">
+            <a:avLst/>
+          </a:prstGeom>
+          <a:solidFill>
+            <a:schemeClr val="tx1"/>
+          </a:solidFill>
+          <a:ln>
+            <a:noFill/>
+          </a:ln>
+        </p:spPr>
+        <p:style>
+          <a:lnRef idx="2">
+            <a:schemeClr val="accent1">
+              <a:shade val="50000"/>
+            </a:schemeClr>
+          </a:lnRef>
+          <a:fillRef idx="1">
+            <a:schemeClr val="accent1"/>
+          </a:fillRef>
+          <a:effectRef idx="0">
+            <a:schemeClr val="accent1"/>
+          </a:effectRef>
+          <a:fontRef idx="minor">
+            <a:schemeClr val="lt1"/>
+          </a:fontRef>
+        </p:style>
+        <p:txBody>
+          <a:bodyPr rtlCol="0" anchor="ctr"/>
+          <a:lstStyle/>
+          <a:p>
+            <a:pPr algn="ctr"/>
+            <a:endParaRPr lang="en-US"/>
+          </a:p>
+        </p:txBody>
+      </p:sp>
+      <p:sp>
+        <p:nvSpPr>
+          <p:cNvPr id="2" name="Title 1">
+            <a:extLst>
+              <a:ext uri="{FF2B5EF4-FFF2-40B4-BE49-F238E27FC236}">
+                <a16:creationId xmlns:a16="http://schemas.microsoft.com/office/drawing/2014/main" id="{E0BD55B7-C908-9D25-7C34-DE102688A4B2}"/>
+              </a:ext>
+            </a:extLst>
+          </p:cNvPr>
+          <p:cNvSpPr>
+            <a:spLocks noGrp="1"/>
+          </p:cNvSpPr>
+          <p:nvPr>
+            <p:ph type="title"/>
+          </p:nvPr>
+        </p:nvSpPr>
+        <p:spPr>
+          <a:xfrm>
+            <a:off x="556532" y="643467"/>
+            <a:ext cx="11210925" cy="744836"/>
+          </a:xfrm>
+        </p:spPr>
+        <p:txBody>
+          <a:bodyPr vert="horz" lIns="91440" tIns="45720" rIns="91440" bIns="45720" rtlCol="0" anchor="ctr">
+            <a:normAutofit/>
+          </a:bodyPr>
+          <a:lstStyle/>
+          <a:p>
+            <a:pPr algn="ctr"/>
+            <a:r>
+              <a:rPr lang="en-US" sz="3200" kern="1200">
+                <a:solidFill>
+                  <a:schemeClr val="bg1"/>
+                </a:solidFill>
+                <a:latin typeface="+mj-lt"/>
+                <a:ea typeface="+mj-ea"/>
+                <a:cs typeface="+mj-cs"/>
+              </a:rPr>
+              <a:t>Projected Timeline</a:t>
+            </a:r>
+          </a:p>
+        </p:txBody>
+      </p:sp>
+      <p:pic>
+        <p:nvPicPr>
+          <p:cNvPr id="9" name="Picture 8">
+            <a:extLst>
+              <a:ext uri="{FF2B5EF4-FFF2-40B4-BE49-F238E27FC236}">
+                <a16:creationId xmlns:a16="http://schemas.microsoft.com/office/drawing/2014/main" id="{06ED0A32-A345-4CC8-F827-B8EC209B5589}"/>
+              </a:ext>
+            </a:extLst>
+          </p:cNvPr>
+          <p:cNvPicPr>
+            <a:picLocks noChangeAspect="1"/>
+          </p:cNvPicPr>
+          <p:nvPr/>
+        </p:nvPicPr>
+        <p:blipFill>
+          <a:blip r:embed="rId2"/>
+          <a:stretch>
+            <a:fillRect/>
+          </a:stretch>
+        </p:blipFill>
+        <p:spPr>
+          <a:xfrm>
+            <a:off x="737220" y="1675227"/>
+            <a:ext cx="10717559" cy="4394199"/>
+          </a:xfrm>
+          <a:prstGeom prst="rect">
+            <a:avLst/>
+          </a:prstGeom>
+        </p:spPr>
+      </p:pic>
+    </p:spTree>
+    <p:extLst>
+      <p:ext uri="{BB962C8B-B14F-4D97-AF65-F5344CB8AC3E}">
+        <p14:creationId xmlns:p14="http://schemas.microsoft.com/office/powerpoint/2010/main" val="422369634"/>
       </p:ext>
     </p:extLst>
   </p:cSld>

--- a/Presentation.pptx
+++ b/Presentation.pptx
@@ -12,6 +12,7 @@
     <p:sldId id="260" r:id="rId6"/>
     <p:sldId id="261" r:id="rId7"/>
     <p:sldId id="262" r:id="rId8"/>
+    <p:sldId id="263" r:id="rId9"/>
   </p:sldIdLst>
   <p:sldSz cx="12192000" cy="6858000"/>
   <p:notesSz cx="6858000" cy="9144000"/>
@@ -121,13 +122,45 @@
 <file path=ppt/revisionInfo.xml><?xml version="1.0" encoding="utf-8"?>
 <p1510:revInfo xmlns:a="http://schemas.openxmlformats.org/drawingml/2006/main" xmlns:r="http://schemas.openxmlformats.org/officeDocument/2006/relationships" xmlns:p1510="http://schemas.microsoft.com/office/powerpoint/2015/10/main">
   <p1510:revLst>
-    <p1510:client id="{9644BDA9-B3F6-43CE-8DA9-3631164CC92E}" v="25" dt="2024-12-17T14:04:22.661"/>
+    <p1510:client id="{EBC0B3CC-D012-4984-B94A-ED7AEE90C4D9}" v="1" dt="2025-01-06T15:10:20.979"/>
   </p1510:revLst>
 </p1510:revInfo>
 </file>
 
 <file path=ppt/changesInfos/changesInfo1.xml><?xml version="1.0" encoding="utf-8"?>
 <pc:chgInfo xmlns:a="http://schemas.openxmlformats.org/drawingml/2006/main" xmlns:r="http://schemas.openxmlformats.org/officeDocument/2006/relationships" xmlns:ac="http://schemas.microsoft.com/office/drawing/2013/main/command" xmlns:pc="http://schemas.microsoft.com/office/powerpoint/2013/main/command">
+  <pc:docChgLst>
+    <pc:chgData name="Jon Morgan (2218940)" userId="3d056735-30a3-4fce-ba59-f5d79205b9f6" providerId="ADAL" clId="{EBC0B3CC-D012-4984-B94A-ED7AEE90C4D9}"/>
+    <pc:docChg chg="custSel addSld modSld">
+      <pc:chgData name="Jon Morgan (2218940)" userId="3d056735-30a3-4fce-ba59-f5d79205b9f6" providerId="ADAL" clId="{EBC0B3CC-D012-4984-B94A-ED7AEE90C4D9}" dt="2025-01-06T15:10:20.972" v="49" actId="20577"/>
+      <pc:docMkLst>
+        <pc:docMk/>
+      </pc:docMkLst>
+      <pc:sldChg chg="modSp new mod">
+        <pc:chgData name="Jon Morgan (2218940)" userId="3d056735-30a3-4fce-ba59-f5d79205b9f6" providerId="ADAL" clId="{EBC0B3CC-D012-4984-B94A-ED7AEE90C4D9}" dt="2025-01-06T15:10:20.972" v="49" actId="20577"/>
+        <pc:sldMkLst>
+          <pc:docMk/>
+          <pc:sldMk cId="1172053953" sldId="263"/>
+        </pc:sldMkLst>
+        <pc:spChg chg="mod">
+          <ac:chgData name="Jon Morgan (2218940)" userId="3d056735-30a3-4fce-ba59-f5d79205b9f6" providerId="ADAL" clId="{EBC0B3CC-D012-4984-B94A-ED7AEE90C4D9}" dt="2025-01-06T15:09:39.876" v="6" actId="20577"/>
+          <ac:spMkLst>
+            <pc:docMk/>
+            <pc:sldMk cId="1172053953" sldId="263"/>
+            <ac:spMk id="2" creationId="{6F59BFB9-877F-2674-9AE9-D1D788ECD260}"/>
+          </ac:spMkLst>
+        </pc:spChg>
+        <pc:spChg chg="mod">
+          <ac:chgData name="Jon Morgan (2218940)" userId="3d056735-30a3-4fce-ba59-f5d79205b9f6" providerId="ADAL" clId="{EBC0B3CC-D012-4984-B94A-ED7AEE90C4D9}" dt="2025-01-06T15:10:20.972" v="49" actId="20577"/>
+          <ac:spMkLst>
+            <pc:docMk/>
+            <pc:sldMk cId="1172053953" sldId="263"/>
+            <ac:spMk id="3" creationId="{9E9A5A53-7C34-51B5-90BB-B33B6AE6D5B2}"/>
+          </ac:spMkLst>
+        </pc:spChg>
+      </pc:sldChg>
+    </pc:docChg>
+  </pc:docChgLst>
   <pc:docChgLst>
     <pc:chgData name="Jon Morgan (2218940)" userId="3d056735-30a3-4fce-ba59-f5d79205b9f6" providerId="ADAL" clId="{9644BDA9-B3F6-43CE-8DA9-3631164CC92E}"/>
     <pc:docChg chg="undo custSel addSld delSld modSld">
@@ -3592,7 +3625,7 @@
           <a:p>
             <a:fld id="{2FF0BD99-0268-44F0-9233-6285102E9816}" type="datetimeFigureOut">
               <a:rPr lang="en-GB" smtClean="0"/>
-              <a:t>17/12/2024</a:t>
+              <a:t>06/01/2025</a:t>
             </a:fld>
             <a:endParaRPr lang="en-GB"/>
           </a:p>
@@ -3790,7 +3823,7 @@
           <a:p>
             <a:fld id="{2FF0BD99-0268-44F0-9233-6285102E9816}" type="datetimeFigureOut">
               <a:rPr lang="en-GB" smtClean="0"/>
-              <a:t>17/12/2024</a:t>
+              <a:t>06/01/2025</a:t>
             </a:fld>
             <a:endParaRPr lang="en-GB"/>
           </a:p>
@@ -3998,7 +4031,7 @@
           <a:p>
             <a:fld id="{2FF0BD99-0268-44F0-9233-6285102E9816}" type="datetimeFigureOut">
               <a:rPr lang="en-GB" smtClean="0"/>
-              <a:t>17/12/2024</a:t>
+              <a:t>06/01/2025</a:t>
             </a:fld>
             <a:endParaRPr lang="en-GB"/>
           </a:p>
@@ -4196,7 +4229,7 @@
           <a:p>
             <a:fld id="{2FF0BD99-0268-44F0-9233-6285102E9816}" type="datetimeFigureOut">
               <a:rPr lang="en-GB" smtClean="0"/>
-              <a:t>17/12/2024</a:t>
+              <a:t>06/01/2025</a:t>
             </a:fld>
             <a:endParaRPr lang="en-GB"/>
           </a:p>
@@ -4471,7 +4504,7 @@
           <a:p>
             <a:fld id="{2FF0BD99-0268-44F0-9233-6285102E9816}" type="datetimeFigureOut">
               <a:rPr lang="en-GB" smtClean="0"/>
-              <a:t>17/12/2024</a:t>
+              <a:t>06/01/2025</a:t>
             </a:fld>
             <a:endParaRPr lang="en-GB"/>
           </a:p>
@@ -4736,7 +4769,7 @@
           <a:p>
             <a:fld id="{2FF0BD99-0268-44F0-9233-6285102E9816}" type="datetimeFigureOut">
               <a:rPr lang="en-GB" smtClean="0"/>
-              <a:t>17/12/2024</a:t>
+              <a:t>06/01/2025</a:t>
             </a:fld>
             <a:endParaRPr lang="en-GB"/>
           </a:p>
@@ -5148,7 +5181,7 @@
           <a:p>
             <a:fld id="{2FF0BD99-0268-44F0-9233-6285102E9816}" type="datetimeFigureOut">
               <a:rPr lang="en-GB" smtClean="0"/>
-              <a:t>17/12/2024</a:t>
+              <a:t>06/01/2025</a:t>
             </a:fld>
             <a:endParaRPr lang="en-GB"/>
           </a:p>
@@ -5289,7 +5322,7 @@
           <a:p>
             <a:fld id="{2FF0BD99-0268-44F0-9233-6285102E9816}" type="datetimeFigureOut">
               <a:rPr lang="en-GB" smtClean="0"/>
-              <a:t>17/12/2024</a:t>
+              <a:t>06/01/2025</a:t>
             </a:fld>
             <a:endParaRPr lang="en-GB"/>
           </a:p>
@@ -5402,7 +5435,7 @@
           <a:p>
             <a:fld id="{2FF0BD99-0268-44F0-9233-6285102E9816}" type="datetimeFigureOut">
               <a:rPr lang="en-GB" smtClean="0"/>
-              <a:t>17/12/2024</a:t>
+              <a:t>06/01/2025</a:t>
             </a:fld>
             <a:endParaRPr lang="en-GB"/>
           </a:p>
@@ -5713,7 +5746,7 @@
           <a:p>
             <a:fld id="{2FF0BD99-0268-44F0-9233-6285102E9816}" type="datetimeFigureOut">
               <a:rPr lang="en-GB" smtClean="0"/>
-              <a:t>17/12/2024</a:t>
+              <a:t>06/01/2025</a:t>
             </a:fld>
             <a:endParaRPr lang="en-GB"/>
           </a:p>
@@ -6001,7 +6034,7 @@
           <a:p>
             <a:fld id="{2FF0BD99-0268-44F0-9233-6285102E9816}" type="datetimeFigureOut">
               <a:rPr lang="en-GB" smtClean="0"/>
-              <a:t>17/12/2024</a:t>
+              <a:t>06/01/2025</a:t>
             </a:fld>
             <a:endParaRPr lang="en-GB"/>
           </a:p>
@@ -6242,7 +6275,7 @@
           <a:p>
             <a:fld id="{2FF0BD99-0268-44F0-9233-6285102E9816}" type="datetimeFigureOut">
               <a:rPr lang="en-GB" smtClean="0"/>
-              <a:t>17/12/2024</a:t>
+              <a:t>06/01/2025</a:t>
             </a:fld>
             <a:endParaRPr lang="en-GB"/>
           </a:p>
@@ -10199,6 +10232,114 @@
 </p:sld>
 </file>
 
+<file path=ppt/slides/slide8.xml><?xml version="1.0" encoding="utf-8"?>
+<p:sld xmlns:a="http://schemas.openxmlformats.org/drawingml/2006/main" xmlns:r="http://schemas.openxmlformats.org/officeDocument/2006/relationships" xmlns:p="http://schemas.openxmlformats.org/presentationml/2006/main">
+  <p:cSld>
+    <p:spTree>
+      <p:nvGrpSpPr>
+        <p:cNvPr id="1" name=""/>
+        <p:cNvGrpSpPr/>
+        <p:nvPr/>
+      </p:nvGrpSpPr>
+      <p:grpSpPr>
+        <a:xfrm>
+          <a:off x="0" y="0"/>
+          <a:ext cx="0" cy="0"/>
+          <a:chOff x="0" y="0"/>
+          <a:chExt cx="0" cy="0"/>
+        </a:xfrm>
+      </p:grpSpPr>
+      <p:sp>
+        <p:nvSpPr>
+          <p:cNvPr id="2" name="Title 1">
+            <a:extLst>
+              <a:ext uri="{FF2B5EF4-FFF2-40B4-BE49-F238E27FC236}">
+                <a16:creationId xmlns:a16="http://schemas.microsoft.com/office/drawing/2014/main" id="{6F59BFB9-877F-2674-9AE9-D1D788ECD260}"/>
+              </a:ext>
+            </a:extLst>
+          </p:cNvPr>
+          <p:cNvSpPr>
+            <a:spLocks noGrp="1"/>
+          </p:cNvSpPr>
+          <p:nvPr>
+            <p:ph type="title"/>
+          </p:nvPr>
+        </p:nvSpPr>
+        <p:spPr/>
+        <p:txBody>
+          <a:bodyPr/>
+          <a:lstStyle/>
+          <a:p>
+            <a:r>
+              <a:rPr lang="en-GB" dirty="0" err="1"/>
+              <a:t>Github</a:t>
+            </a:r>
+            <a:endParaRPr lang="en-GB" dirty="0"/>
+          </a:p>
+        </p:txBody>
+      </p:sp>
+      <p:sp>
+        <p:nvSpPr>
+          <p:cNvPr id="3" name="Content Placeholder 2">
+            <a:extLst>
+              <a:ext uri="{FF2B5EF4-FFF2-40B4-BE49-F238E27FC236}">
+                <a16:creationId xmlns:a16="http://schemas.microsoft.com/office/drawing/2014/main" id="{9E9A5A53-7C34-51B5-90BB-B33B6AE6D5B2}"/>
+              </a:ext>
+            </a:extLst>
+          </p:cNvPr>
+          <p:cNvSpPr>
+            <a:spLocks noGrp="1"/>
+          </p:cNvSpPr>
+          <p:nvPr>
+            <p:ph idx="1"/>
+          </p:nvPr>
+        </p:nvSpPr>
+        <p:spPr/>
+        <p:txBody>
+          <a:bodyPr/>
+          <a:lstStyle/>
+          <a:p>
+            <a:r>
+              <a:rPr lang="en-GB" dirty="0"/>
+              <a:t>A ‘private’ repository exists at:</a:t>
+            </a:r>
+          </a:p>
+          <a:p>
+            <a:endParaRPr lang="en-GB" dirty="0"/>
+          </a:p>
+          <a:p>
+            <a:pPr marL="0" indent="0">
+              <a:buNone/>
+            </a:pPr>
+            <a:r>
+              <a:rPr lang="en-GB">
+                <a:hlinkClick r:id="rId2"/>
+              </a:rPr>
+              <a:t>https://github.com/2wheelsdown/NPAssignment2</a:t>
+            </a:r>
+            <a:endParaRPr lang="en-GB"/>
+          </a:p>
+          <a:p>
+            <a:pPr marL="0" indent="0">
+              <a:buNone/>
+            </a:pPr>
+            <a:endParaRPr lang="en-GB"/>
+          </a:p>
+        </p:txBody>
+      </p:sp>
+    </p:spTree>
+    <p:extLst>
+      <p:ext uri="{BB962C8B-B14F-4D97-AF65-F5344CB8AC3E}">
+        <p14:creationId xmlns:p14="http://schemas.microsoft.com/office/powerpoint/2010/main" val="1172053953"/>
+      </p:ext>
+    </p:extLst>
+  </p:cSld>
+  <p:clrMapOvr>
+    <a:masterClrMapping/>
+  </p:clrMapOvr>
+</p:sld>
+</file>
+
 <file path=ppt/theme/theme1.xml><?xml version="1.0" encoding="utf-8"?>
 <a:theme xmlns:a="http://schemas.openxmlformats.org/drawingml/2006/main" name="Office Theme">
   <a:themeElements>
